--- a/Uke 8/Problemløsning/oppgaver.pptx
+++ b/Uke 8/Problemløsning/oppgaver.pptx
@@ -4,11 +4,15 @@
   <p:sldMasterIdLst>
     <p:sldMasterId id="2147483648" r:id="rId1"/>
   </p:sldMasterIdLst>
+  <p:notesMasterIdLst>
+    <p:notesMasterId r:id="rId7"/>
+  </p:notesMasterIdLst>
   <p:sldIdLst>
     <p:sldId id="256" r:id="rId2"/>
     <p:sldId id="257" r:id="rId3"/>
     <p:sldId id="258" r:id="rId4"/>
     <p:sldId id="259" r:id="rId5"/>
+    <p:sldId id="268" r:id="rId6"/>
   </p:sldIdLst>
   <p:sldSz cx="12192000" cy="6858000"/>
   <p:notesSz cx="6858000" cy="9144000"/>
@@ -107,7 +111,502 @@
       </a:defRPr>
     </a:lvl9pPr>
   </p:defaultTextStyle>
+  <p:extLst>
+    <p:ext uri="{EFAFB233-063F-42B5-8137-9DF3F51BA10A}">
+      <p15:sldGuideLst xmlns:p15="http://schemas.microsoft.com/office/powerpoint/2012/main"/>
+    </p:ext>
+  </p:extLst>
 </p:presentation>
+</file>
+
+<file path=ppt/revisionInfo.xml><?xml version="1.0" encoding="utf-8"?>
+<p1510:revInfo xmlns:a="http://schemas.openxmlformats.org/drawingml/2006/main" xmlns:r="http://schemas.openxmlformats.org/officeDocument/2006/relationships" xmlns:p1510="http://schemas.microsoft.com/office/powerpoint/2015/10/main">
+  <p1510:revLst>
+    <p1510:client id="{92BDA453-296B-F847-AFC5-59AC2F22BE09}" v="1" dt="2024-10-14T12:14:01.949"/>
+  </p1510:revLst>
+</p1510:revInfo>
+</file>
+
+<file path=ppt/changesInfos/changesInfo1.xml><?xml version="1.0" encoding="utf-8"?>
+<pc:chgInfo xmlns:a="http://schemas.openxmlformats.org/drawingml/2006/main" xmlns:r="http://schemas.openxmlformats.org/officeDocument/2006/relationships" xmlns:ac="http://schemas.microsoft.com/office/drawing/2013/main/command" xmlns:pc="http://schemas.microsoft.com/office/powerpoint/2013/main/command">
+  <pc:docChgLst>
+    <pc:chgData name="Lennard Rolstad Denby" userId="32b70bad-f9a6-4436-bae9-a88e91ea250f" providerId="ADAL" clId="{92BDA453-296B-F847-AFC5-59AC2F22BE09}"/>
+    <pc:docChg chg="addSld delSld modSld">
+      <pc:chgData name="Lennard Rolstad Denby" userId="32b70bad-f9a6-4436-bae9-a88e91ea250f" providerId="ADAL" clId="{92BDA453-296B-F847-AFC5-59AC2F22BE09}" dt="2024-10-14T12:14:05.650" v="2" actId="2696"/>
+      <pc:docMkLst>
+        <pc:docMk/>
+      </pc:docMkLst>
+      <pc:sldChg chg="new del">
+        <pc:chgData name="Lennard Rolstad Denby" userId="32b70bad-f9a6-4436-bae9-a88e91ea250f" providerId="ADAL" clId="{92BDA453-296B-F847-AFC5-59AC2F22BE09}" dt="2024-10-14T12:14:05.650" v="2" actId="2696"/>
+        <pc:sldMkLst>
+          <pc:docMk/>
+          <pc:sldMk cId="3453362540" sldId="260"/>
+        </pc:sldMkLst>
+      </pc:sldChg>
+      <pc:sldChg chg="add setBg">
+        <pc:chgData name="Lennard Rolstad Denby" userId="32b70bad-f9a6-4436-bae9-a88e91ea250f" providerId="ADAL" clId="{92BDA453-296B-F847-AFC5-59AC2F22BE09}" dt="2024-10-14T12:14:01.944" v="1"/>
+        <pc:sldMkLst>
+          <pc:docMk/>
+          <pc:sldMk cId="0" sldId="268"/>
+        </pc:sldMkLst>
+      </pc:sldChg>
+    </pc:docChg>
+  </pc:docChgLst>
+</pc:chgInfo>
+</file>
+
+<file path=ppt/notesMasters/notesMaster1.xml><?xml version="1.0" encoding="utf-8"?>
+<p:notesMaster xmlns:a="http://schemas.openxmlformats.org/drawingml/2006/main" xmlns:r="http://schemas.openxmlformats.org/officeDocument/2006/relationships" xmlns:p="http://schemas.openxmlformats.org/presentationml/2006/main">
+  <p:cSld>
+    <p:bg>
+      <p:bgRef idx="1001">
+        <a:schemeClr val="bg1"/>
+      </p:bgRef>
+    </p:bg>
+    <p:spTree>
+      <p:nvGrpSpPr>
+        <p:cNvPr id="1" name=""/>
+        <p:cNvGrpSpPr/>
+        <p:nvPr/>
+      </p:nvGrpSpPr>
+      <p:grpSpPr>
+        <a:xfrm>
+          <a:off x="0" y="0"/>
+          <a:ext cx="0" cy="0"/>
+          <a:chOff x="0" y="0"/>
+          <a:chExt cx="0" cy="0"/>
+        </a:xfrm>
+      </p:grpSpPr>
+      <p:sp>
+        <p:nvSpPr>
+          <p:cNvPr id="2" name="Header Placeholder 1"/>
+          <p:cNvSpPr>
+            <a:spLocks noGrp="1"/>
+          </p:cNvSpPr>
+          <p:nvPr>
+            <p:ph type="hdr" sz="quarter"/>
+          </p:nvPr>
+        </p:nvSpPr>
+        <p:spPr>
+          <a:xfrm>
+            <a:off x="0" y="0"/>
+            <a:ext cx="2971800" cy="458788"/>
+          </a:xfrm>
+          <a:prstGeom prst="rect">
+            <a:avLst/>
+          </a:prstGeom>
+        </p:spPr>
+        <p:txBody>
+          <a:bodyPr vert="horz" lIns="91440" tIns="45720" rIns="91440" bIns="45720" rtlCol="0"/>
+          <a:lstStyle>
+            <a:lvl1pPr algn="l">
+              <a:defRPr sz="1200"/>
+            </a:lvl1pPr>
+          </a:lstStyle>
+          <a:p>
+            <a:endParaRPr lang="en-NO"/>
+          </a:p>
+        </p:txBody>
+      </p:sp>
+      <p:sp>
+        <p:nvSpPr>
+          <p:cNvPr id="3" name="Date Placeholder 2"/>
+          <p:cNvSpPr>
+            <a:spLocks noGrp="1"/>
+          </p:cNvSpPr>
+          <p:nvPr>
+            <p:ph type="dt" idx="1"/>
+          </p:nvPr>
+        </p:nvSpPr>
+        <p:spPr>
+          <a:xfrm>
+            <a:off x="3884613" y="0"/>
+            <a:ext cx="2971800" cy="458788"/>
+          </a:xfrm>
+          <a:prstGeom prst="rect">
+            <a:avLst/>
+          </a:prstGeom>
+        </p:spPr>
+        <p:txBody>
+          <a:bodyPr vert="horz" lIns="91440" tIns="45720" rIns="91440" bIns="45720" rtlCol="0"/>
+          <a:lstStyle>
+            <a:lvl1pPr algn="r">
+              <a:defRPr sz="1200"/>
+            </a:lvl1pPr>
+          </a:lstStyle>
+          <a:p>
+            <a:fld id="{BE302C3B-B43F-3A4D-BC50-6F0CAFB97C7B}" type="datetimeFigureOut">
+              <a:rPr lang="en-NO" smtClean="0"/>
+              <a:t>14/10/2024</a:t>
+            </a:fld>
+            <a:endParaRPr lang="en-NO"/>
+          </a:p>
+        </p:txBody>
+      </p:sp>
+      <p:sp>
+        <p:nvSpPr>
+          <p:cNvPr id="4" name="Slide Image Placeholder 3"/>
+          <p:cNvSpPr>
+            <a:spLocks noGrp="1" noRot="1" noChangeAspect="1"/>
+          </p:cNvSpPr>
+          <p:nvPr>
+            <p:ph type="sldImg" idx="2"/>
+          </p:nvPr>
+        </p:nvSpPr>
+        <p:spPr>
+          <a:xfrm>
+            <a:off x="685800" y="1143000"/>
+            <a:ext cx="5486400" cy="3086100"/>
+          </a:xfrm>
+          <a:prstGeom prst="rect">
+            <a:avLst/>
+          </a:prstGeom>
+          <a:noFill/>
+          <a:ln w="12700">
+            <a:solidFill>
+              <a:prstClr val="black"/>
+            </a:solidFill>
+          </a:ln>
+        </p:spPr>
+        <p:txBody>
+          <a:bodyPr vert="horz" lIns="91440" tIns="45720" rIns="91440" bIns="45720" rtlCol="0" anchor="ctr"/>
+          <a:lstStyle/>
+          <a:p>
+            <a:endParaRPr lang="en-NO"/>
+          </a:p>
+        </p:txBody>
+      </p:sp>
+      <p:sp>
+        <p:nvSpPr>
+          <p:cNvPr id="5" name="Notes Placeholder 4"/>
+          <p:cNvSpPr>
+            <a:spLocks noGrp="1"/>
+          </p:cNvSpPr>
+          <p:nvPr>
+            <p:ph type="body" sz="quarter" idx="3"/>
+          </p:nvPr>
+        </p:nvSpPr>
+        <p:spPr>
+          <a:xfrm>
+            <a:off x="685800" y="4400550"/>
+            <a:ext cx="5486400" cy="3600450"/>
+          </a:xfrm>
+          <a:prstGeom prst="rect">
+            <a:avLst/>
+          </a:prstGeom>
+        </p:spPr>
+        <p:txBody>
+          <a:bodyPr vert="horz" lIns="91440" tIns="45720" rIns="91440" bIns="45720" rtlCol="0"/>
+          <a:lstStyle/>
+          <a:p>
+            <a:pPr lvl="0"/>
+            <a:r>
+              <a:rPr lang="en-GB"/>
+              <a:t>Click to edit Master text styles</a:t>
+            </a:r>
+          </a:p>
+          <a:p>
+            <a:pPr lvl="1"/>
+            <a:r>
+              <a:rPr lang="en-GB"/>
+              <a:t>Second level</a:t>
+            </a:r>
+          </a:p>
+          <a:p>
+            <a:pPr lvl="2"/>
+            <a:r>
+              <a:rPr lang="en-GB"/>
+              <a:t>Third level</a:t>
+            </a:r>
+          </a:p>
+          <a:p>
+            <a:pPr lvl="3"/>
+            <a:r>
+              <a:rPr lang="en-GB"/>
+              <a:t>Fourth level</a:t>
+            </a:r>
+          </a:p>
+          <a:p>
+            <a:pPr lvl="4"/>
+            <a:r>
+              <a:rPr lang="en-GB"/>
+              <a:t>Fifth level</a:t>
+            </a:r>
+            <a:endParaRPr lang="en-NO"/>
+          </a:p>
+        </p:txBody>
+      </p:sp>
+      <p:sp>
+        <p:nvSpPr>
+          <p:cNvPr id="6" name="Footer Placeholder 5"/>
+          <p:cNvSpPr>
+            <a:spLocks noGrp="1"/>
+          </p:cNvSpPr>
+          <p:nvPr>
+            <p:ph type="ftr" sz="quarter" idx="4"/>
+          </p:nvPr>
+        </p:nvSpPr>
+        <p:spPr>
+          <a:xfrm>
+            <a:off x="0" y="8685213"/>
+            <a:ext cx="2971800" cy="458787"/>
+          </a:xfrm>
+          <a:prstGeom prst="rect">
+            <a:avLst/>
+          </a:prstGeom>
+        </p:spPr>
+        <p:txBody>
+          <a:bodyPr vert="horz" lIns="91440" tIns="45720" rIns="91440" bIns="45720" rtlCol="0" anchor="b"/>
+          <a:lstStyle>
+            <a:lvl1pPr algn="l">
+              <a:defRPr sz="1200"/>
+            </a:lvl1pPr>
+          </a:lstStyle>
+          <a:p>
+            <a:endParaRPr lang="en-NO"/>
+          </a:p>
+        </p:txBody>
+      </p:sp>
+      <p:sp>
+        <p:nvSpPr>
+          <p:cNvPr id="7" name="Slide Number Placeholder 6"/>
+          <p:cNvSpPr>
+            <a:spLocks noGrp="1"/>
+          </p:cNvSpPr>
+          <p:nvPr>
+            <p:ph type="sldNum" sz="quarter" idx="5"/>
+          </p:nvPr>
+        </p:nvSpPr>
+        <p:spPr>
+          <a:xfrm>
+            <a:off x="3884613" y="8685213"/>
+            <a:ext cx="2971800" cy="458787"/>
+          </a:xfrm>
+          <a:prstGeom prst="rect">
+            <a:avLst/>
+          </a:prstGeom>
+        </p:spPr>
+        <p:txBody>
+          <a:bodyPr vert="horz" lIns="91440" tIns="45720" rIns="91440" bIns="45720" rtlCol="0" anchor="b"/>
+          <a:lstStyle>
+            <a:lvl1pPr algn="r">
+              <a:defRPr sz="1200"/>
+            </a:lvl1pPr>
+          </a:lstStyle>
+          <a:p>
+            <a:fld id="{E53EB7B0-2B5D-FE46-9012-ADB45AD92949}" type="slidenum">
+              <a:rPr lang="en-NO" smtClean="0"/>
+              <a:t>‹#›</a:t>
+            </a:fld>
+            <a:endParaRPr lang="en-NO"/>
+          </a:p>
+        </p:txBody>
+      </p:sp>
+    </p:spTree>
+    <p:extLst>
+      <p:ext uri="{BB962C8B-B14F-4D97-AF65-F5344CB8AC3E}">
+        <p14:creationId xmlns:p14="http://schemas.microsoft.com/office/powerpoint/2010/main" val="1232256326"/>
+      </p:ext>
+    </p:extLst>
+  </p:cSld>
+  <p:clrMap bg1="lt1" tx1="dk1" bg2="lt2" tx2="dk2" accent1="accent1" accent2="accent2" accent3="accent3" accent4="accent4" accent5="accent5" accent6="accent6" hlink="hlink" folHlink="folHlink"/>
+  <p:notesStyle>
+    <a:lvl1pPr marL="0" algn="l" defTabSz="914400" rtl="0" eaLnBrk="1" latinLnBrk="0" hangingPunct="1">
+      <a:defRPr sz="1200" kern="1200">
+        <a:solidFill>
+          <a:schemeClr val="tx1"/>
+        </a:solidFill>
+        <a:latin typeface="+mn-lt"/>
+        <a:ea typeface="+mn-ea"/>
+        <a:cs typeface="+mn-cs"/>
+      </a:defRPr>
+    </a:lvl1pPr>
+    <a:lvl2pPr marL="457200" algn="l" defTabSz="914400" rtl="0" eaLnBrk="1" latinLnBrk="0" hangingPunct="1">
+      <a:defRPr sz="1200" kern="1200">
+        <a:solidFill>
+          <a:schemeClr val="tx1"/>
+        </a:solidFill>
+        <a:latin typeface="+mn-lt"/>
+        <a:ea typeface="+mn-ea"/>
+        <a:cs typeface="+mn-cs"/>
+      </a:defRPr>
+    </a:lvl2pPr>
+    <a:lvl3pPr marL="914400" algn="l" defTabSz="914400" rtl="0" eaLnBrk="1" latinLnBrk="0" hangingPunct="1">
+      <a:defRPr sz="1200" kern="1200">
+        <a:solidFill>
+          <a:schemeClr val="tx1"/>
+        </a:solidFill>
+        <a:latin typeface="+mn-lt"/>
+        <a:ea typeface="+mn-ea"/>
+        <a:cs typeface="+mn-cs"/>
+      </a:defRPr>
+    </a:lvl3pPr>
+    <a:lvl4pPr marL="1371600" algn="l" defTabSz="914400" rtl="0" eaLnBrk="1" latinLnBrk="0" hangingPunct="1">
+      <a:defRPr sz="1200" kern="1200">
+        <a:solidFill>
+          <a:schemeClr val="tx1"/>
+        </a:solidFill>
+        <a:latin typeface="+mn-lt"/>
+        <a:ea typeface="+mn-ea"/>
+        <a:cs typeface="+mn-cs"/>
+      </a:defRPr>
+    </a:lvl4pPr>
+    <a:lvl5pPr marL="1828800" algn="l" defTabSz="914400" rtl="0" eaLnBrk="1" latinLnBrk="0" hangingPunct="1">
+      <a:defRPr sz="1200" kern="1200">
+        <a:solidFill>
+          <a:schemeClr val="tx1"/>
+        </a:solidFill>
+        <a:latin typeface="+mn-lt"/>
+        <a:ea typeface="+mn-ea"/>
+        <a:cs typeface="+mn-cs"/>
+      </a:defRPr>
+    </a:lvl5pPr>
+    <a:lvl6pPr marL="2286000" algn="l" defTabSz="914400" rtl="0" eaLnBrk="1" latinLnBrk="0" hangingPunct="1">
+      <a:defRPr sz="1200" kern="1200">
+        <a:solidFill>
+          <a:schemeClr val="tx1"/>
+        </a:solidFill>
+        <a:latin typeface="+mn-lt"/>
+        <a:ea typeface="+mn-ea"/>
+        <a:cs typeface="+mn-cs"/>
+      </a:defRPr>
+    </a:lvl6pPr>
+    <a:lvl7pPr marL="2743200" algn="l" defTabSz="914400" rtl="0" eaLnBrk="1" latinLnBrk="0" hangingPunct="1">
+      <a:defRPr sz="1200" kern="1200">
+        <a:solidFill>
+          <a:schemeClr val="tx1"/>
+        </a:solidFill>
+        <a:latin typeface="+mn-lt"/>
+        <a:ea typeface="+mn-ea"/>
+        <a:cs typeface="+mn-cs"/>
+      </a:defRPr>
+    </a:lvl7pPr>
+    <a:lvl8pPr marL="3200400" algn="l" defTabSz="914400" rtl="0" eaLnBrk="1" latinLnBrk="0" hangingPunct="1">
+      <a:defRPr sz="1200" kern="1200">
+        <a:solidFill>
+          <a:schemeClr val="tx1"/>
+        </a:solidFill>
+        <a:latin typeface="+mn-lt"/>
+        <a:ea typeface="+mn-ea"/>
+        <a:cs typeface="+mn-cs"/>
+      </a:defRPr>
+    </a:lvl8pPr>
+    <a:lvl9pPr marL="3657600" algn="l" defTabSz="914400" rtl="0" eaLnBrk="1" latinLnBrk="0" hangingPunct="1">
+      <a:defRPr sz="1200" kern="1200">
+        <a:solidFill>
+          <a:schemeClr val="tx1"/>
+        </a:solidFill>
+        <a:latin typeface="+mn-lt"/>
+        <a:ea typeface="+mn-ea"/>
+        <a:cs typeface="+mn-cs"/>
+      </a:defRPr>
+    </a:lvl9pPr>
+  </p:notesStyle>
+</p:notesMaster>
+</file>
+
+<file path=ppt/notesSlides/notesSlide1.xml><?xml version="1.0" encoding="utf-8"?>
+<p:notes xmlns:a="http://schemas.openxmlformats.org/drawingml/2006/main" xmlns:r="http://schemas.openxmlformats.org/officeDocument/2006/relationships" xmlns:p="http://schemas.openxmlformats.org/presentationml/2006/main" showMasterSp="0" showMasterPhAnim="0">
+  <p:cSld>
+    <p:spTree>
+      <p:nvGrpSpPr>
+        <p:cNvPr id="1" name="Shape 541"/>
+        <p:cNvGrpSpPr/>
+        <p:nvPr/>
+      </p:nvGrpSpPr>
+      <p:grpSpPr>
+        <a:xfrm>
+          <a:off x="0" y="0"/>
+          <a:ext cx="0" cy="0"/>
+          <a:chOff x="0" y="0"/>
+          <a:chExt cx="0" cy="0"/>
+        </a:xfrm>
+      </p:grpSpPr>
+      <p:sp>
+        <p:nvSpPr>
+          <p:cNvPr id="542" name="Google Shape;542;p13:notes"/>
+          <p:cNvSpPr txBox="1">
+            <a:spLocks noGrp="1"/>
+          </p:cNvSpPr>
+          <p:nvPr>
+            <p:ph type="body" idx="1"/>
+          </p:nvPr>
+        </p:nvSpPr>
+        <p:spPr>
+          <a:xfrm>
+            <a:off x="685800" y="4343400"/>
+            <a:ext cx="5486400" cy="4114800"/>
+          </a:xfrm>
+          <a:prstGeom prst="rect">
+            <a:avLst/>
+          </a:prstGeom>
+        </p:spPr>
+        <p:txBody>
+          <a:bodyPr spcFirstLastPara="1" wrap="square" lIns="91425" tIns="91425" rIns="91425" bIns="91425" anchor="t" anchorCtr="0">
+            <a:noAutofit/>
+          </a:bodyPr>
+          <a:lstStyle/>
+          <a:p>
+            <a:pPr marL="0" lvl="0" indent="0" algn="l" rtl="0">
+              <a:spcBef>
+                <a:spcPts val="0"/>
+              </a:spcBef>
+              <a:spcAft>
+                <a:spcPts val="0"/>
+              </a:spcAft>
+              <a:buNone/>
+            </a:pPr>
+            <a:endParaRPr/>
+          </a:p>
+        </p:txBody>
+      </p:sp>
+      <p:sp>
+        <p:nvSpPr>
+          <p:cNvPr id="543" name="Google Shape;543;p13:notes"/>
+          <p:cNvSpPr>
+            <a:spLocks noGrp="1" noRot="1" noChangeAspect="1"/>
+          </p:cNvSpPr>
+          <p:nvPr>
+            <p:ph type="sldImg" idx="2"/>
+          </p:nvPr>
+        </p:nvSpPr>
+        <p:spPr>
+          <a:xfrm>
+            <a:off x="381000" y="685800"/>
+            <a:ext cx="6096000" cy="3429000"/>
+          </a:xfrm>
+          <a:custGeom>
+            <a:avLst/>
+            <a:gdLst/>
+            <a:ahLst/>
+            <a:cxnLst/>
+            <a:rect l="l" t="t" r="r" b="b"/>
+            <a:pathLst>
+              <a:path w="120000" h="120000" extrusionOk="0">
+                <a:moveTo>
+                  <a:pt x="0" y="0"/>
+                </a:moveTo>
+                <a:lnTo>
+                  <a:pt x="120000" y="0"/>
+                </a:lnTo>
+                <a:lnTo>
+                  <a:pt x="120000" y="120000"/>
+                </a:lnTo>
+                <a:lnTo>
+                  <a:pt x="0" y="120000"/>
+                </a:lnTo>
+                <a:close/>
+              </a:path>
+            </a:pathLst>
+          </a:custGeom>
+        </p:spPr>
+      </p:sp>
+    </p:spTree>
+  </p:cSld>
+  <p:clrMapOvr>
+    <a:masterClrMapping/>
+  </p:clrMapOvr>
+</p:notes>
 </file>
 
 <file path=ppt/slideLayouts/slideLayout1.xml><?xml version="1.0" encoding="utf-8"?>
@@ -259,7 +758,7 @@
           <a:p>
             <a:fld id="{9152990E-1F8F-4486-BC16-5E5AF28D9B82}" type="datetimeFigureOut">
               <a:rPr lang="nb-NO" smtClean="0"/>
-              <a:t>13.10.2024</a:t>
+              <a:t>14.10.2024</a:t>
             </a:fld>
             <a:endParaRPr lang="nb-NO"/>
           </a:p>
@@ -459,7 +958,7 @@
           <a:p>
             <a:fld id="{9152990E-1F8F-4486-BC16-5E5AF28D9B82}" type="datetimeFigureOut">
               <a:rPr lang="nb-NO" smtClean="0"/>
-              <a:t>13.10.2024</a:t>
+              <a:t>14.10.2024</a:t>
             </a:fld>
             <a:endParaRPr lang="nb-NO"/>
           </a:p>
@@ -669,7 +1168,7 @@
           <a:p>
             <a:fld id="{9152990E-1F8F-4486-BC16-5E5AF28D9B82}" type="datetimeFigureOut">
               <a:rPr lang="nb-NO" smtClean="0"/>
-              <a:t>13.10.2024</a:t>
+              <a:t>14.10.2024</a:t>
             </a:fld>
             <a:endParaRPr lang="nb-NO"/>
           </a:p>
@@ -869,7 +1368,7 @@
           <a:p>
             <a:fld id="{9152990E-1F8F-4486-BC16-5E5AF28D9B82}" type="datetimeFigureOut">
               <a:rPr lang="nb-NO" smtClean="0"/>
-              <a:t>13.10.2024</a:t>
+              <a:t>14.10.2024</a:t>
             </a:fld>
             <a:endParaRPr lang="nb-NO"/>
           </a:p>
@@ -1145,7 +1644,7 @@
           <a:p>
             <a:fld id="{9152990E-1F8F-4486-BC16-5E5AF28D9B82}" type="datetimeFigureOut">
               <a:rPr lang="nb-NO" smtClean="0"/>
-              <a:t>13.10.2024</a:t>
+              <a:t>14.10.2024</a:t>
             </a:fld>
             <a:endParaRPr lang="nb-NO"/>
           </a:p>
@@ -1413,7 +1912,7 @@
           <a:p>
             <a:fld id="{9152990E-1F8F-4486-BC16-5E5AF28D9B82}" type="datetimeFigureOut">
               <a:rPr lang="nb-NO" smtClean="0"/>
-              <a:t>13.10.2024</a:t>
+              <a:t>14.10.2024</a:t>
             </a:fld>
             <a:endParaRPr lang="nb-NO"/>
           </a:p>
@@ -1828,7 +2327,7 @@
           <a:p>
             <a:fld id="{9152990E-1F8F-4486-BC16-5E5AF28D9B82}" type="datetimeFigureOut">
               <a:rPr lang="nb-NO" smtClean="0"/>
-              <a:t>13.10.2024</a:t>
+              <a:t>14.10.2024</a:t>
             </a:fld>
             <a:endParaRPr lang="nb-NO"/>
           </a:p>
@@ -1970,7 +2469,7 @@
           <a:p>
             <a:fld id="{9152990E-1F8F-4486-BC16-5E5AF28D9B82}" type="datetimeFigureOut">
               <a:rPr lang="nb-NO" smtClean="0"/>
-              <a:t>13.10.2024</a:t>
+              <a:t>14.10.2024</a:t>
             </a:fld>
             <a:endParaRPr lang="nb-NO"/>
           </a:p>
@@ -2083,7 +2582,7 @@
           <a:p>
             <a:fld id="{9152990E-1F8F-4486-BC16-5E5AF28D9B82}" type="datetimeFigureOut">
               <a:rPr lang="nb-NO" smtClean="0"/>
-              <a:t>13.10.2024</a:t>
+              <a:t>14.10.2024</a:t>
             </a:fld>
             <a:endParaRPr lang="nb-NO"/>
           </a:p>
@@ -2396,7 +2895,7 @@
           <a:p>
             <a:fld id="{9152990E-1F8F-4486-BC16-5E5AF28D9B82}" type="datetimeFigureOut">
               <a:rPr lang="nb-NO" smtClean="0"/>
-              <a:t>13.10.2024</a:t>
+              <a:t>14.10.2024</a:t>
             </a:fld>
             <a:endParaRPr lang="nb-NO"/>
           </a:p>
@@ -2685,7 +3184,7 @@
           <a:p>
             <a:fld id="{9152990E-1F8F-4486-BC16-5E5AF28D9B82}" type="datetimeFigureOut">
               <a:rPr lang="nb-NO" smtClean="0"/>
-              <a:t>13.10.2024</a:t>
+              <a:t>14.10.2024</a:t>
             </a:fld>
             <a:endParaRPr lang="nb-NO"/>
           </a:p>
@@ -2928,7 +3427,7 @@
           <a:p>
             <a:fld id="{9152990E-1F8F-4486-BC16-5E5AF28D9B82}" type="datetimeFigureOut">
               <a:rPr lang="nb-NO" smtClean="0"/>
-              <a:t>13.10.2024</a:t>
+              <a:t>14.10.2024</a:t>
             </a:fld>
             <a:endParaRPr lang="nb-NO"/>
           </a:p>
@@ -3768,6 +4267,3992 @@
 </p:sld>
 </file>
 
+<file path=ppt/slides/slide5.xml><?xml version="1.0" encoding="utf-8"?>
+<p:sld xmlns:a="http://schemas.openxmlformats.org/drawingml/2006/main" xmlns:r="http://schemas.openxmlformats.org/officeDocument/2006/relationships" xmlns:p="http://schemas.openxmlformats.org/presentationml/2006/main">
+  <p:cSld>
+    <p:spTree>
+      <p:nvGrpSpPr>
+        <p:cNvPr id="1" name="Shape 544"/>
+        <p:cNvGrpSpPr/>
+        <p:nvPr/>
+      </p:nvGrpSpPr>
+      <p:grpSpPr>
+        <a:xfrm>
+          <a:off x="0" y="0"/>
+          <a:ext cx="0" cy="0"/>
+          <a:chOff x="0" y="0"/>
+          <a:chExt cx="0" cy="0"/>
+        </a:xfrm>
+      </p:grpSpPr>
+      <p:grpSp>
+        <p:nvGrpSpPr>
+          <p:cNvPr id="545" name="Google Shape;545;p13"/>
+          <p:cNvGrpSpPr/>
+          <p:nvPr/>
+        </p:nvGrpSpPr>
+        <p:grpSpPr>
+          <a:xfrm>
+            <a:off x="-329674" y="-59376"/>
+            <a:ext cx="12515851" cy="6923798"/>
+            <a:chOff x="-329674" y="-51881"/>
+            <a:chExt cx="12515851" cy="6923798"/>
+          </a:xfrm>
+        </p:grpSpPr>
+        <p:sp>
+          <p:nvSpPr>
+            <p:cNvPr id="546" name="Google Shape;546;p13"/>
+            <p:cNvSpPr/>
+            <p:nvPr/>
+          </p:nvSpPr>
+          <p:spPr>
+            <a:xfrm>
+              <a:off x="-329674" y="1298404"/>
+              <a:ext cx="9702800" cy="5573512"/>
+            </a:xfrm>
+            <a:custGeom>
+              <a:avLst/>
+              <a:gdLst/>
+              <a:ahLst/>
+              <a:cxnLst/>
+              <a:rect l="l" t="t" r="r" b="b"/>
+              <a:pathLst>
+                <a:path w="2038" h="1169" extrusionOk="0">
+                  <a:moveTo>
+                    <a:pt x="1752" y="1169"/>
+                  </a:moveTo>
+                  <a:cubicBezTo>
+                    <a:pt x="2038" y="928"/>
+                    <a:pt x="1673" y="513"/>
+                    <a:pt x="1487" y="334"/>
+                  </a:cubicBezTo>
+                  <a:cubicBezTo>
+                    <a:pt x="1316" y="170"/>
+                    <a:pt x="1099" y="43"/>
+                    <a:pt x="860" y="22"/>
+                  </a:cubicBezTo>
+                  <a:cubicBezTo>
+                    <a:pt x="621" y="0"/>
+                    <a:pt x="341" y="128"/>
+                    <a:pt x="199" y="318"/>
+                  </a:cubicBezTo>
+                  <a:cubicBezTo>
+                    <a:pt x="0" y="586"/>
+                    <a:pt x="184" y="965"/>
+                    <a:pt x="399" y="1165"/>
+                  </a:cubicBezTo>
+                </a:path>
+              </a:pathLst>
+            </a:custGeom>
+            <a:noFill/>
+            <a:ln w="9525" cap="flat" cmpd="sng">
+              <a:solidFill>
+                <a:schemeClr val="dk1">
+                  <a:alpha val="20000"/>
+                </a:schemeClr>
+              </a:solidFill>
+              <a:prstDash val="solid"/>
+              <a:miter lim="800000"/>
+              <a:headEnd type="none" w="sm" len="sm"/>
+              <a:tailEnd type="none" w="sm" len="sm"/>
+            </a:ln>
+          </p:spPr>
+          <p:txBody>
+            <a:bodyPr spcFirstLastPara="1" wrap="square" lIns="91425" tIns="45700" rIns="91425" bIns="45700" anchor="t" anchorCtr="0">
+              <a:noAutofit/>
+            </a:bodyPr>
+            <a:lstStyle/>
+            <a:p>
+              <a:pPr marL="0" marR="0" lvl="0" indent="0" algn="l" rtl="0">
+                <a:lnSpc>
+                  <a:spcPct val="100000"/>
+                </a:lnSpc>
+                <a:spcBef>
+                  <a:spcPts val="0"/>
+                </a:spcBef>
+                <a:spcAft>
+                  <a:spcPts val="0"/>
+                </a:spcAft>
+                <a:buClr>
+                  <a:schemeClr val="dk1"/>
+                </a:buClr>
+                <a:buSzPts val="1800"/>
+                <a:buFont typeface="Rockwell"/>
+                <a:buNone/>
+              </a:pPr>
+              <a:endParaRPr sz="1800" b="0" i="0" u="none" strike="noStrike" cap="none">
+                <a:solidFill>
+                  <a:srgbClr val="000000"/>
+                </a:solidFill>
+                <a:latin typeface="Rockwell"/>
+                <a:ea typeface="Rockwell"/>
+                <a:cs typeface="Rockwell"/>
+                <a:sym typeface="Rockwell"/>
+              </a:endParaRPr>
+            </a:p>
+          </p:txBody>
+        </p:sp>
+        <p:sp>
+          <p:nvSpPr>
+            <p:cNvPr id="547" name="Google Shape;547;p13"/>
+            <p:cNvSpPr/>
+            <p:nvPr/>
+          </p:nvSpPr>
+          <p:spPr>
+            <a:xfrm>
+              <a:off x="670451" y="2018236"/>
+              <a:ext cx="7373938" cy="4848892"/>
+            </a:xfrm>
+            <a:custGeom>
+              <a:avLst/>
+              <a:gdLst/>
+              <a:ahLst/>
+              <a:cxnLst/>
+              <a:rect l="l" t="t" r="r" b="b"/>
+              <a:pathLst>
+                <a:path w="1549" h="1017" extrusionOk="0">
+                  <a:moveTo>
+                    <a:pt x="1025" y="1016"/>
+                  </a:moveTo>
+                  <a:cubicBezTo>
+                    <a:pt x="1223" y="971"/>
+                    <a:pt x="1549" y="857"/>
+                    <a:pt x="1443" y="592"/>
+                  </a:cubicBezTo>
+                  <a:cubicBezTo>
+                    <a:pt x="1344" y="344"/>
+                    <a:pt x="1041" y="111"/>
+                    <a:pt x="782" y="53"/>
+                  </a:cubicBezTo>
+                  <a:cubicBezTo>
+                    <a:pt x="545" y="0"/>
+                    <a:pt x="275" y="117"/>
+                    <a:pt x="150" y="329"/>
+                  </a:cubicBezTo>
+                  <a:cubicBezTo>
+                    <a:pt x="0" y="584"/>
+                    <a:pt x="243" y="911"/>
+                    <a:pt x="477" y="1017"/>
+                  </a:cubicBezTo>
+                </a:path>
+              </a:pathLst>
+            </a:custGeom>
+            <a:noFill/>
+            <a:ln w="9525" cap="flat" cmpd="sng">
+              <a:solidFill>
+                <a:schemeClr val="dk1">
+                  <a:alpha val="20000"/>
+                </a:schemeClr>
+              </a:solidFill>
+              <a:prstDash val="solid"/>
+              <a:miter lim="800000"/>
+              <a:headEnd type="none" w="sm" len="sm"/>
+              <a:tailEnd type="none" w="sm" len="sm"/>
+            </a:ln>
+          </p:spPr>
+          <p:txBody>
+            <a:bodyPr spcFirstLastPara="1" wrap="square" lIns="91425" tIns="45700" rIns="91425" bIns="45700" anchor="t" anchorCtr="0">
+              <a:noAutofit/>
+            </a:bodyPr>
+            <a:lstStyle/>
+            <a:p>
+              <a:pPr marL="0" marR="0" lvl="0" indent="0" algn="l" rtl="0">
+                <a:lnSpc>
+                  <a:spcPct val="100000"/>
+                </a:lnSpc>
+                <a:spcBef>
+                  <a:spcPts val="0"/>
+                </a:spcBef>
+                <a:spcAft>
+                  <a:spcPts val="0"/>
+                </a:spcAft>
+                <a:buClr>
+                  <a:schemeClr val="dk1"/>
+                </a:buClr>
+                <a:buSzPts val="1800"/>
+                <a:buFont typeface="Rockwell"/>
+                <a:buNone/>
+              </a:pPr>
+              <a:endParaRPr sz="1800" b="0" i="0" u="none" strike="noStrike" cap="none">
+                <a:solidFill>
+                  <a:srgbClr val="000000"/>
+                </a:solidFill>
+                <a:latin typeface="Rockwell"/>
+                <a:ea typeface="Rockwell"/>
+                <a:cs typeface="Rockwell"/>
+                <a:sym typeface="Rockwell"/>
+              </a:endParaRPr>
+            </a:p>
+          </p:txBody>
+        </p:sp>
+        <p:sp>
+          <p:nvSpPr>
+            <p:cNvPr id="548" name="Google Shape;548;p13"/>
+            <p:cNvSpPr/>
+            <p:nvPr/>
+          </p:nvSpPr>
+          <p:spPr>
+            <a:xfrm>
+              <a:off x="251351" y="1788400"/>
+              <a:ext cx="8035925" cy="5083516"/>
+            </a:xfrm>
+            <a:custGeom>
+              <a:avLst/>
+              <a:gdLst/>
+              <a:ahLst/>
+              <a:cxnLst/>
+              <a:rect l="l" t="t" r="r" b="b"/>
+              <a:pathLst>
+                <a:path w="1688" h="1066" extrusionOk="0">
+                  <a:moveTo>
+                    <a:pt x="1302" y="1066"/>
+                  </a:moveTo>
+                  <a:cubicBezTo>
+                    <a:pt x="1416" y="1024"/>
+                    <a:pt x="1551" y="962"/>
+                    <a:pt x="1613" y="850"/>
+                  </a:cubicBezTo>
+                  <a:cubicBezTo>
+                    <a:pt x="1688" y="715"/>
+                    <a:pt x="1606" y="575"/>
+                    <a:pt x="1517" y="471"/>
+                  </a:cubicBezTo>
+                  <a:cubicBezTo>
+                    <a:pt x="1336" y="258"/>
+                    <a:pt x="1084" y="62"/>
+                    <a:pt x="798" y="28"/>
+                  </a:cubicBezTo>
+                  <a:cubicBezTo>
+                    <a:pt x="559" y="0"/>
+                    <a:pt x="317" y="138"/>
+                    <a:pt x="181" y="333"/>
+                  </a:cubicBezTo>
+                  <a:cubicBezTo>
+                    <a:pt x="0" y="592"/>
+                    <a:pt x="191" y="907"/>
+                    <a:pt x="420" y="1066"/>
+                  </a:cubicBezTo>
+                </a:path>
+              </a:pathLst>
+            </a:custGeom>
+            <a:noFill/>
+            <a:ln w="9525" cap="flat" cmpd="sng">
+              <a:solidFill>
+                <a:schemeClr val="dk1">
+                  <a:alpha val="20000"/>
+                </a:schemeClr>
+              </a:solidFill>
+              <a:prstDash val="dash"/>
+              <a:miter lim="800000"/>
+              <a:headEnd type="none" w="sm" len="sm"/>
+              <a:tailEnd type="none" w="sm" len="sm"/>
+            </a:ln>
+          </p:spPr>
+          <p:txBody>
+            <a:bodyPr spcFirstLastPara="1" wrap="square" lIns="91425" tIns="45700" rIns="91425" bIns="45700" anchor="t" anchorCtr="0">
+              <a:noAutofit/>
+            </a:bodyPr>
+            <a:lstStyle/>
+            <a:p>
+              <a:pPr marL="0" marR="0" lvl="0" indent="0" algn="l" rtl="0">
+                <a:lnSpc>
+                  <a:spcPct val="100000"/>
+                </a:lnSpc>
+                <a:spcBef>
+                  <a:spcPts val="0"/>
+                </a:spcBef>
+                <a:spcAft>
+                  <a:spcPts val="0"/>
+                </a:spcAft>
+                <a:buClr>
+                  <a:schemeClr val="dk1"/>
+                </a:buClr>
+                <a:buSzPts val="1800"/>
+                <a:buFont typeface="Rockwell"/>
+                <a:buNone/>
+              </a:pPr>
+              <a:endParaRPr sz="1800" b="0" i="0" u="none" strike="noStrike" cap="none">
+                <a:solidFill>
+                  <a:srgbClr val="000000"/>
+                </a:solidFill>
+                <a:latin typeface="Rockwell"/>
+                <a:ea typeface="Rockwell"/>
+                <a:cs typeface="Rockwell"/>
+                <a:sym typeface="Rockwell"/>
+              </a:endParaRPr>
+            </a:p>
+          </p:txBody>
+        </p:sp>
+        <p:sp>
+          <p:nvSpPr>
+            <p:cNvPr id="549" name="Google Shape;549;p13"/>
+            <p:cNvSpPr/>
+            <p:nvPr/>
+          </p:nvSpPr>
+          <p:spPr>
+            <a:xfrm>
+              <a:off x="-1061" y="549842"/>
+              <a:ext cx="10334625" cy="6322075"/>
+            </a:xfrm>
+            <a:custGeom>
+              <a:avLst/>
+              <a:gdLst/>
+              <a:ahLst/>
+              <a:cxnLst/>
+              <a:rect l="l" t="t" r="r" b="b"/>
+              <a:pathLst>
+                <a:path w="2171" h="1326" extrusionOk="0">
+                  <a:moveTo>
+                    <a:pt x="1873" y="1326"/>
+                  </a:moveTo>
+                  <a:cubicBezTo>
+                    <a:pt x="2171" y="1045"/>
+                    <a:pt x="1825" y="678"/>
+                    <a:pt x="1609" y="473"/>
+                  </a:cubicBezTo>
+                  <a:cubicBezTo>
+                    <a:pt x="1406" y="281"/>
+                    <a:pt x="1159" y="116"/>
+                    <a:pt x="880" y="63"/>
+                  </a:cubicBezTo>
+                  <a:cubicBezTo>
+                    <a:pt x="545" y="0"/>
+                    <a:pt x="214" y="161"/>
+                    <a:pt x="0" y="423"/>
+                  </a:cubicBezTo>
+                </a:path>
+              </a:pathLst>
+            </a:custGeom>
+            <a:noFill/>
+            <a:ln w="9525" cap="flat" cmpd="sng">
+              <a:solidFill>
+                <a:schemeClr val="dk1">
+                  <a:alpha val="20000"/>
+                </a:schemeClr>
+              </a:solidFill>
+              <a:prstDash val="solid"/>
+              <a:miter lim="800000"/>
+              <a:headEnd type="none" w="sm" len="sm"/>
+              <a:tailEnd type="none" w="sm" len="sm"/>
+            </a:ln>
+          </p:spPr>
+          <p:txBody>
+            <a:bodyPr spcFirstLastPara="1" wrap="square" lIns="91425" tIns="45700" rIns="91425" bIns="45700" anchor="t" anchorCtr="0">
+              <a:noAutofit/>
+            </a:bodyPr>
+            <a:lstStyle/>
+            <a:p>
+              <a:pPr marL="0" marR="0" lvl="0" indent="0" algn="l" rtl="0">
+                <a:lnSpc>
+                  <a:spcPct val="100000"/>
+                </a:lnSpc>
+                <a:spcBef>
+                  <a:spcPts val="0"/>
+                </a:spcBef>
+                <a:spcAft>
+                  <a:spcPts val="0"/>
+                </a:spcAft>
+                <a:buClr>
+                  <a:schemeClr val="dk1"/>
+                </a:buClr>
+                <a:buSzPts val="1800"/>
+                <a:buFont typeface="Rockwell"/>
+                <a:buNone/>
+              </a:pPr>
+              <a:endParaRPr sz="1800" b="0" i="0" u="none" strike="noStrike" cap="none">
+                <a:solidFill>
+                  <a:srgbClr val="000000"/>
+                </a:solidFill>
+                <a:latin typeface="Rockwell"/>
+                <a:ea typeface="Rockwell"/>
+                <a:cs typeface="Rockwell"/>
+                <a:sym typeface="Rockwell"/>
+              </a:endParaRPr>
+            </a:p>
+          </p:txBody>
+        </p:sp>
+        <p:sp>
+          <p:nvSpPr>
+            <p:cNvPr id="550" name="Google Shape;550;p13"/>
+            <p:cNvSpPr/>
+            <p:nvPr/>
+          </p:nvSpPr>
+          <p:spPr>
+            <a:xfrm>
+              <a:off x="3701" y="6186246"/>
+              <a:ext cx="504825" cy="681527"/>
+            </a:xfrm>
+            <a:custGeom>
+              <a:avLst/>
+              <a:gdLst/>
+              <a:ahLst/>
+              <a:cxnLst/>
+              <a:rect l="l" t="t" r="r" b="b"/>
+              <a:pathLst>
+                <a:path w="106" h="143" extrusionOk="0">
+                  <a:moveTo>
+                    <a:pt x="0" y="0"/>
+                  </a:moveTo>
+                  <a:cubicBezTo>
+                    <a:pt x="35" y="54"/>
+                    <a:pt x="70" y="101"/>
+                    <a:pt x="106" y="143"/>
+                  </a:cubicBezTo>
+                </a:path>
+              </a:pathLst>
+            </a:custGeom>
+            <a:noFill/>
+            <a:ln w="9525" cap="flat" cmpd="sng">
+              <a:solidFill>
+                <a:schemeClr val="dk1">
+                  <a:alpha val="20000"/>
+                </a:schemeClr>
+              </a:solidFill>
+              <a:prstDash val="solid"/>
+              <a:miter lim="800000"/>
+              <a:headEnd type="none" w="sm" len="sm"/>
+              <a:tailEnd type="none" w="sm" len="sm"/>
+            </a:ln>
+          </p:spPr>
+          <p:txBody>
+            <a:bodyPr spcFirstLastPara="1" wrap="square" lIns="91425" tIns="45700" rIns="91425" bIns="45700" anchor="t" anchorCtr="0">
+              <a:noAutofit/>
+            </a:bodyPr>
+            <a:lstStyle/>
+            <a:p>
+              <a:pPr marL="0" marR="0" lvl="0" indent="0" algn="l" rtl="0">
+                <a:lnSpc>
+                  <a:spcPct val="100000"/>
+                </a:lnSpc>
+                <a:spcBef>
+                  <a:spcPts val="0"/>
+                </a:spcBef>
+                <a:spcAft>
+                  <a:spcPts val="0"/>
+                </a:spcAft>
+                <a:buClr>
+                  <a:schemeClr val="dk1"/>
+                </a:buClr>
+                <a:buSzPts val="1800"/>
+                <a:buFont typeface="Rockwell"/>
+                <a:buNone/>
+              </a:pPr>
+              <a:endParaRPr sz="1800" b="0" i="0" u="none" strike="noStrike" cap="none">
+                <a:solidFill>
+                  <a:srgbClr val="000000"/>
+                </a:solidFill>
+                <a:latin typeface="Rockwell"/>
+                <a:ea typeface="Rockwell"/>
+                <a:cs typeface="Rockwell"/>
+                <a:sym typeface="Rockwell"/>
+              </a:endParaRPr>
+            </a:p>
+          </p:txBody>
+        </p:sp>
+        <p:sp>
+          <p:nvSpPr>
+            <p:cNvPr id="551" name="Google Shape;551;p13"/>
+            <p:cNvSpPr/>
+            <p:nvPr/>
+          </p:nvSpPr>
+          <p:spPr>
+            <a:xfrm>
+              <a:off x="-1061" y="-51881"/>
+              <a:ext cx="11091863" cy="6923796"/>
+            </a:xfrm>
+            <a:custGeom>
+              <a:avLst/>
+              <a:gdLst/>
+              <a:ahLst/>
+              <a:cxnLst/>
+              <a:rect l="l" t="t" r="r" b="b"/>
+              <a:pathLst>
+                <a:path w="2330" h="1452" extrusionOk="0">
+                  <a:moveTo>
+                    <a:pt x="2046" y="1452"/>
+                  </a:moveTo>
+                  <a:cubicBezTo>
+                    <a:pt x="2330" y="1153"/>
+                    <a:pt x="2049" y="821"/>
+                    <a:pt x="1813" y="601"/>
+                  </a:cubicBezTo>
+                  <a:cubicBezTo>
+                    <a:pt x="1569" y="375"/>
+                    <a:pt x="1282" y="179"/>
+                    <a:pt x="956" y="97"/>
+                  </a:cubicBezTo>
+                  <a:cubicBezTo>
+                    <a:pt x="572" y="0"/>
+                    <a:pt x="292" y="101"/>
+                    <a:pt x="0" y="366"/>
+                  </a:cubicBezTo>
+                </a:path>
+              </a:pathLst>
+            </a:custGeom>
+            <a:noFill/>
+            <a:ln w="9525" cap="flat" cmpd="sng">
+              <a:solidFill>
+                <a:schemeClr val="dk1">
+                  <a:alpha val="20000"/>
+                </a:schemeClr>
+              </a:solidFill>
+              <a:prstDash val="solid"/>
+              <a:miter lim="800000"/>
+              <a:headEnd type="none" w="sm" len="sm"/>
+              <a:tailEnd type="none" w="sm" len="sm"/>
+            </a:ln>
+          </p:spPr>
+          <p:txBody>
+            <a:bodyPr spcFirstLastPara="1" wrap="square" lIns="91425" tIns="45700" rIns="91425" bIns="45700" anchor="t" anchorCtr="0">
+              <a:noAutofit/>
+            </a:bodyPr>
+            <a:lstStyle/>
+            <a:p>
+              <a:pPr marL="0" marR="0" lvl="0" indent="0" algn="l" rtl="0">
+                <a:lnSpc>
+                  <a:spcPct val="100000"/>
+                </a:lnSpc>
+                <a:spcBef>
+                  <a:spcPts val="0"/>
+                </a:spcBef>
+                <a:spcAft>
+                  <a:spcPts val="0"/>
+                </a:spcAft>
+                <a:buClr>
+                  <a:schemeClr val="dk1"/>
+                </a:buClr>
+                <a:buSzPts val="1800"/>
+                <a:buFont typeface="Rockwell"/>
+                <a:buNone/>
+              </a:pPr>
+              <a:endParaRPr sz="1800" b="0" i="0" u="none" strike="noStrike" cap="none">
+                <a:solidFill>
+                  <a:srgbClr val="000000"/>
+                </a:solidFill>
+                <a:latin typeface="Rockwell"/>
+                <a:ea typeface="Rockwell"/>
+                <a:cs typeface="Rockwell"/>
+                <a:sym typeface="Rockwell"/>
+              </a:endParaRPr>
+            </a:p>
+          </p:txBody>
+        </p:sp>
+        <p:sp>
+          <p:nvSpPr>
+            <p:cNvPr id="552" name="Google Shape;552;p13"/>
+            <p:cNvSpPr/>
+            <p:nvPr/>
+          </p:nvSpPr>
+          <p:spPr>
+            <a:xfrm>
+              <a:off x="5426601" y="5579"/>
+              <a:ext cx="5788025" cy="6847184"/>
+            </a:xfrm>
+            <a:custGeom>
+              <a:avLst/>
+              <a:gdLst/>
+              <a:ahLst/>
+              <a:cxnLst/>
+              <a:rect l="l" t="t" r="r" b="b"/>
+              <a:pathLst>
+                <a:path w="1216" h="1436" extrusionOk="0">
+                  <a:moveTo>
+                    <a:pt x="1094" y="1436"/>
+                  </a:moveTo>
+                  <a:cubicBezTo>
+                    <a:pt x="1216" y="1114"/>
+                    <a:pt x="904" y="770"/>
+                    <a:pt x="709" y="551"/>
+                  </a:cubicBezTo>
+                  <a:cubicBezTo>
+                    <a:pt x="509" y="327"/>
+                    <a:pt x="274" y="127"/>
+                    <a:pt x="0" y="0"/>
+                  </a:cubicBezTo>
+                </a:path>
+              </a:pathLst>
+            </a:custGeom>
+            <a:noFill/>
+            <a:ln w="9525" cap="flat" cmpd="sng">
+              <a:solidFill>
+                <a:schemeClr val="dk1">
+                  <a:alpha val="20000"/>
+                </a:schemeClr>
+              </a:solidFill>
+              <a:prstDash val="solid"/>
+              <a:miter lim="800000"/>
+              <a:headEnd type="none" w="sm" len="sm"/>
+              <a:tailEnd type="none" w="sm" len="sm"/>
+            </a:ln>
+          </p:spPr>
+          <p:txBody>
+            <a:bodyPr spcFirstLastPara="1" wrap="square" lIns="91425" tIns="45700" rIns="91425" bIns="45700" anchor="t" anchorCtr="0">
+              <a:noAutofit/>
+            </a:bodyPr>
+            <a:lstStyle/>
+            <a:p>
+              <a:pPr marL="0" marR="0" lvl="0" indent="0" algn="l" rtl="0">
+                <a:lnSpc>
+                  <a:spcPct val="100000"/>
+                </a:lnSpc>
+                <a:spcBef>
+                  <a:spcPts val="0"/>
+                </a:spcBef>
+                <a:spcAft>
+                  <a:spcPts val="0"/>
+                </a:spcAft>
+                <a:buClr>
+                  <a:schemeClr val="dk1"/>
+                </a:buClr>
+                <a:buSzPts val="1800"/>
+                <a:buFont typeface="Rockwell"/>
+                <a:buNone/>
+              </a:pPr>
+              <a:endParaRPr sz="1800" b="0" i="0" u="none" strike="noStrike" cap="none">
+                <a:solidFill>
+                  <a:srgbClr val="000000"/>
+                </a:solidFill>
+                <a:latin typeface="Rockwell"/>
+                <a:ea typeface="Rockwell"/>
+                <a:cs typeface="Rockwell"/>
+                <a:sym typeface="Rockwell"/>
+              </a:endParaRPr>
+            </a:p>
+          </p:txBody>
+        </p:sp>
+        <p:sp>
+          <p:nvSpPr>
+            <p:cNvPr id="553" name="Google Shape;553;p13"/>
+            <p:cNvSpPr/>
+            <p:nvPr/>
+          </p:nvSpPr>
+          <p:spPr>
+            <a:xfrm>
+              <a:off x="-1061" y="5579"/>
+              <a:ext cx="1057275" cy="614491"/>
+            </a:xfrm>
+            <a:custGeom>
+              <a:avLst/>
+              <a:gdLst/>
+              <a:ahLst/>
+              <a:cxnLst/>
+              <a:rect l="l" t="t" r="r" b="b"/>
+              <a:pathLst>
+                <a:path w="222" h="129" extrusionOk="0">
+                  <a:moveTo>
+                    <a:pt x="222" y="0"/>
+                  </a:moveTo>
+                  <a:cubicBezTo>
+                    <a:pt x="152" y="35"/>
+                    <a:pt x="76" y="78"/>
+                    <a:pt x="0" y="129"/>
+                  </a:cubicBezTo>
+                </a:path>
+              </a:pathLst>
+            </a:custGeom>
+            <a:noFill/>
+            <a:ln w="9525" cap="flat" cmpd="sng">
+              <a:solidFill>
+                <a:schemeClr val="dk1">
+                  <a:alpha val="20000"/>
+                </a:schemeClr>
+              </a:solidFill>
+              <a:prstDash val="solid"/>
+              <a:miter lim="800000"/>
+              <a:headEnd type="none" w="sm" len="sm"/>
+              <a:tailEnd type="none" w="sm" len="sm"/>
+            </a:ln>
+          </p:spPr>
+          <p:txBody>
+            <a:bodyPr spcFirstLastPara="1" wrap="square" lIns="91425" tIns="45700" rIns="91425" bIns="45700" anchor="t" anchorCtr="0">
+              <a:noAutofit/>
+            </a:bodyPr>
+            <a:lstStyle/>
+            <a:p>
+              <a:pPr marL="0" marR="0" lvl="0" indent="0" algn="l" rtl="0">
+                <a:lnSpc>
+                  <a:spcPct val="100000"/>
+                </a:lnSpc>
+                <a:spcBef>
+                  <a:spcPts val="0"/>
+                </a:spcBef>
+                <a:spcAft>
+                  <a:spcPts val="0"/>
+                </a:spcAft>
+                <a:buClr>
+                  <a:schemeClr val="dk1"/>
+                </a:buClr>
+                <a:buSzPts val="1800"/>
+                <a:buFont typeface="Rockwell"/>
+                <a:buNone/>
+              </a:pPr>
+              <a:endParaRPr sz="1800" b="0" i="0" u="none" strike="noStrike" cap="none">
+                <a:solidFill>
+                  <a:srgbClr val="000000"/>
+                </a:solidFill>
+                <a:latin typeface="Rockwell"/>
+                <a:ea typeface="Rockwell"/>
+                <a:cs typeface="Rockwell"/>
+                <a:sym typeface="Rockwell"/>
+              </a:endParaRPr>
+            </a:p>
+          </p:txBody>
+        </p:sp>
+        <p:sp>
+          <p:nvSpPr>
+            <p:cNvPr id="554" name="Google Shape;554;p13"/>
+            <p:cNvSpPr/>
+            <p:nvPr/>
+          </p:nvSpPr>
+          <p:spPr>
+            <a:xfrm>
+              <a:off x="5821889" y="5579"/>
+              <a:ext cx="5588000" cy="6866337"/>
+            </a:xfrm>
+            <a:custGeom>
+              <a:avLst/>
+              <a:gdLst/>
+              <a:ahLst/>
+              <a:cxnLst/>
+              <a:rect l="l" t="t" r="r" b="b"/>
+              <a:pathLst>
+                <a:path w="1174" h="1440" extrusionOk="0">
+                  <a:moveTo>
+                    <a:pt x="1067" y="1440"/>
+                  </a:moveTo>
+                  <a:cubicBezTo>
+                    <a:pt x="1174" y="1124"/>
+                    <a:pt x="887" y="797"/>
+                    <a:pt x="698" y="577"/>
+                  </a:cubicBezTo>
+                  <a:cubicBezTo>
+                    <a:pt x="500" y="348"/>
+                    <a:pt x="270" y="141"/>
+                    <a:pt x="0" y="0"/>
+                  </a:cubicBezTo>
+                </a:path>
+              </a:pathLst>
+            </a:custGeom>
+            <a:noFill/>
+            <a:ln w="9525" cap="flat" cmpd="sng">
+              <a:solidFill>
+                <a:schemeClr val="dk1">
+                  <a:alpha val="20000"/>
+                </a:schemeClr>
+              </a:solidFill>
+              <a:prstDash val="dash"/>
+              <a:miter lim="800000"/>
+              <a:headEnd type="none" w="sm" len="sm"/>
+              <a:tailEnd type="none" w="sm" len="sm"/>
+            </a:ln>
+          </p:spPr>
+          <p:txBody>
+            <a:bodyPr spcFirstLastPara="1" wrap="square" lIns="91425" tIns="45700" rIns="91425" bIns="45700" anchor="t" anchorCtr="0">
+              <a:noAutofit/>
+            </a:bodyPr>
+            <a:lstStyle/>
+            <a:p>
+              <a:pPr marL="0" marR="0" lvl="0" indent="0" algn="l" rtl="0">
+                <a:lnSpc>
+                  <a:spcPct val="100000"/>
+                </a:lnSpc>
+                <a:spcBef>
+                  <a:spcPts val="0"/>
+                </a:spcBef>
+                <a:spcAft>
+                  <a:spcPts val="0"/>
+                </a:spcAft>
+                <a:buClr>
+                  <a:schemeClr val="dk1"/>
+                </a:buClr>
+                <a:buSzPts val="1800"/>
+                <a:buFont typeface="Rockwell"/>
+                <a:buNone/>
+              </a:pPr>
+              <a:endParaRPr sz="1800" b="0" i="0" u="none" strike="noStrike" cap="none">
+                <a:solidFill>
+                  <a:srgbClr val="000000"/>
+                </a:solidFill>
+                <a:latin typeface="Rockwell"/>
+                <a:ea typeface="Rockwell"/>
+                <a:cs typeface="Rockwell"/>
+                <a:sym typeface="Rockwell"/>
+              </a:endParaRPr>
+            </a:p>
+          </p:txBody>
+        </p:sp>
+        <p:sp>
+          <p:nvSpPr>
+            <p:cNvPr id="555" name="Google Shape;555;p13"/>
+            <p:cNvSpPr/>
+            <p:nvPr/>
+          </p:nvSpPr>
+          <p:spPr>
+            <a:xfrm>
+              <a:off x="3701" y="790"/>
+              <a:ext cx="595313" cy="352734"/>
+            </a:xfrm>
+            <a:custGeom>
+              <a:avLst/>
+              <a:gdLst/>
+              <a:ahLst/>
+              <a:cxnLst/>
+              <a:rect l="l" t="t" r="r" b="b"/>
+              <a:pathLst>
+                <a:path w="125" h="74" extrusionOk="0">
+                  <a:moveTo>
+                    <a:pt x="125" y="0"/>
+                  </a:moveTo>
+                  <a:cubicBezTo>
+                    <a:pt x="85" y="22"/>
+                    <a:pt x="43" y="47"/>
+                    <a:pt x="0" y="74"/>
+                  </a:cubicBezTo>
+                </a:path>
+              </a:pathLst>
+            </a:custGeom>
+            <a:noFill/>
+            <a:ln w="9525" cap="flat" cmpd="sng">
+              <a:solidFill>
+                <a:schemeClr val="dk1">
+                  <a:alpha val="20000"/>
+                </a:schemeClr>
+              </a:solidFill>
+              <a:prstDash val="dash"/>
+              <a:miter lim="800000"/>
+              <a:headEnd type="none" w="sm" len="sm"/>
+              <a:tailEnd type="none" w="sm" len="sm"/>
+            </a:ln>
+          </p:spPr>
+          <p:txBody>
+            <a:bodyPr spcFirstLastPara="1" wrap="square" lIns="91425" tIns="45700" rIns="91425" bIns="45700" anchor="t" anchorCtr="0">
+              <a:noAutofit/>
+            </a:bodyPr>
+            <a:lstStyle/>
+            <a:p>
+              <a:pPr marL="0" marR="0" lvl="0" indent="0" algn="l" rtl="0">
+                <a:lnSpc>
+                  <a:spcPct val="100000"/>
+                </a:lnSpc>
+                <a:spcBef>
+                  <a:spcPts val="0"/>
+                </a:spcBef>
+                <a:spcAft>
+                  <a:spcPts val="0"/>
+                </a:spcAft>
+                <a:buClr>
+                  <a:schemeClr val="dk1"/>
+                </a:buClr>
+                <a:buSzPts val="1800"/>
+                <a:buFont typeface="Rockwell"/>
+                <a:buNone/>
+              </a:pPr>
+              <a:endParaRPr sz="1800" b="0" i="0" u="none" strike="noStrike" cap="none">
+                <a:solidFill>
+                  <a:srgbClr val="000000"/>
+                </a:solidFill>
+                <a:latin typeface="Rockwell"/>
+                <a:ea typeface="Rockwell"/>
+                <a:cs typeface="Rockwell"/>
+                <a:sym typeface="Rockwell"/>
+              </a:endParaRPr>
+            </a:p>
+          </p:txBody>
+        </p:sp>
+        <p:sp>
+          <p:nvSpPr>
+            <p:cNvPr id="556" name="Google Shape;556;p13"/>
+            <p:cNvSpPr/>
+            <p:nvPr/>
+          </p:nvSpPr>
+          <p:spPr>
+            <a:xfrm>
+              <a:off x="6012389" y="5579"/>
+              <a:ext cx="5497513" cy="6866337"/>
+            </a:xfrm>
+            <a:custGeom>
+              <a:avLst/>
+              <a:gdLst/>
+              <a:ahLst/>
+              <a:cxnLst/>
+              <a:rect l="l" t="t" r="r" b="b"/>
+              <a:pathLst>
+                <a:path w="1155" h="1440" extrusionOk="0">
+                  <a:moveTo>
+                    <a:pt x="1056" y="1440"/>
+                  </a:moveTo>
+                  <a:cubicBezTo>
+                    <a:pt x="1155" y="1123"/>
+                    <a:pt x="875" y="801"/>
+                    <a:pt x="686" y="580"/>
+                  </a:cubicBezTo>
+                  <a:cubicBezTo>
+                    <a:pt x="491" y="352"/>
+                    <a:pt x="264" y="145"/>
+                    <a:pt x="0" y="0"/>
+                  </a:cubicBezTo>
+                </a:path>
+              </a:pathLst>
+            </a:custGeom>
+            <a:noFill/>
+            <a:ln w="12700" cap="flat" cmpd="sng">
+              <a:solidFill>
+                <a:schemeClr val="dk1">
+                  <a:alpha val="20000"/>
+                </a:schemeClr>
+              </a:solidFill>
+              <a:prstDash val="dashDot"/>
+              <a:miter lim="800000"/>
+              <a:headEnd type="none" w="sm" len="sm"/>
+              <a:tailEnd type="none" w="sm" len="sm"/>
+            </a:ln>
+          </p:spPr>
+          <p:txBody>
+            <a:bodyPr spcFirstLastPara="1" wrap="square" lIns="91425" tIns="45700" rIns="91425" bIns="45700" anchor="t" anchorCtr="0">
+              <a:noAutofit/>
+            </a:bodyPr>
+            <a:lstStyle/>
+            <a:p>
+              <a:pPr marL="0" marR="0" lvl="0" indent="0" algn="l" rtl="0">
+                <a:lnSpc>
+                  <a:spcPct val="100000"/>
+                </a:lnSpc>
+                <a:spcBef>
+                  <a:spcPts val="0"/>
+                </a:spcBef>
+                <a:spcAft>
+                  <a:spcPts val="0"/>
+                </a:spcAft>
+                <a:buClr>
+                  <a:schemeClr val="dk1"/>
+                </a:buClr>
+                <a:buSzPts val="1800"/>
+                <a:buFont typeface="Rockwell"/>
+                <a:buNone/>
+              </a:pPr>
+              <a:endParaRPr sz="1800" b="0" i="0" u="none" strike="noStrike" cap="none">
+                <a:solidFill>
+                  <a:srgbClr val="000000"/>
+                </a:solidFill>
+                <a:latin typeface="Rockwell"/>
+                <a:ea typeface="Rockwell"/>
+                <a:cs typeface="Rockwell"/>
+                <a:sym typeface="Rockwell"/>
+              </a:endParaRPr>
+            </a:p>
+          </p:txBody>
+        </p:sp>
+        <p:sp>
+          <p:nvSpPr>
+            <p:cNvPr id="557" name="Google Shape;557;p13"/>
+            <p:cNvSpPr/>
+            <p:nvPr/>
+          </p:nvSpPr>
+          <p:spPr>
+            <a:xfrm>
+              <a:off x="-1061" y="5579"/>
+              <a:ext cx="357188" cy="213875"/>
+            </a:xfrm>
+            <a:custGeom>
+              <a:avLst/>
+              <a:gdLst/>
+              <a:ahLst/>
+              <a:cxnLst/>
+              <a:rect l="l" t="t" r="r" b="b"/>
+              <a:pathLst>
+                <a:path w="75" h="45" extrusionOk="0">
+                  <a:moveTo>
+                    <a:pt x="75" y="0"/>
+                  </a:moveTo>
+                  <a:cubicBezTo>
+                    <a:pt x="50" y="14"/>
+                    <a:pt x="25" y="29"/>
+                    <a:pt x="0" y="45"/>
+                  </a:cubicBezTo>
+                </a:path>
+              </a:pathLst>
+            </a:custGeom>
+            <a:noFill/>
+            <a:ln w="12700" cap="flat" cmpd="sng">
+              <a:solidFill>
+                <a:schemeClr val="dk1">
+                  <a:alpha val="20000"/>
+                </a:schemeClr>
+              </a:solidFill>
+              <a:prstDash val="dashDot"/>
+              <a:miter lim="800000"/>
+              <a:headEnd type="none" w="sm" len="sm"/>
+              <a:tailEnd type="none" w="sm" len="sm"/>
+            </a:ln>
+          </p:spPr>
+          <p:txBody>
+            <a:bodyPr spcFirstLastPara="1" wrap="square" lIns="91425" tIns="45700" rIns="91425" bIns="45700" anchor="t" anchorCtr="0">
+              <a:noAutofit/>
+            </a:bodyPr>
+            <a:lstStyle/>
+            <a:p>
+              <a:pPr marL="0" marR="0" lvl="0" indent="0" algn="l" rtl="0">
+                <a:lnSpc>
+                  <a:spcPct val="100000"/>
+                </a:lnSpc>
+                <a:spcBef>
+                  <a:spcPts val="0"/>
+                </a:spcBef>
+                <a:spcAft>
+                  <a:spcPts val="0"/>
+                </a:spcAft>
+                <a:buClr>
+                  <a:schemeClr val="dk1"/>
+                </a:buClr>
+                <a:buSzPts val="1800"/>
+                <a:buFont typeface="Rockwell"/>
+                <a:buNone/>
+              </a:pPr>
+              <a:endParaRPr sz="1800" b="0" i="0" u="none" strike="noStrike" cap="none">
+                <a:solidFill>
+                  <a:srgbClr val="000000"/>
+                </a:solidFill>
+                <a:latin typeface="Rockwell"/>
+                <a:ea typeface="Rockwell"/>
+                <a:cs typeface="Rockwell"/>
+                <a:sym typeface="Rockwell"/>
+              </a:endParaRPr>
+            </a:p>
+          </p:txBody>
+        </p:sp>
+        <p:sp>
+          <p:nvSpPr>
+            <p:cNvPr id="558" name="Google Shape;558;p13"/>
+            <p:cNvSpPr/>
+            <p:nvPr/>
+          </p:nvSpPr>
+          <p:spPr>
+            <a:xfrm>
+              <a:off x="6210826" y="790"/>
+              <a:ext cx="5522913" cy="6871126"/>
+            </a:xfrm>
+            <a:custGeom>
+              <a:avLst/>
+              <a:gdLst/>
+              <a:ahLst/>
+              <a:cxnLst/>
+              <a:rect l="l" t="t" r="r" b="b"/>
+              <a:pathLst>
+                <a:path w="1160" h="1441" extrusionOk="0">
+                  <a:moveTo>
+                    <a:pt x="1053" y="1441"/>
+                  </a:moveTo>
+                  <a:cubicBezTo>
+                    <a:pt x="1160" y="1129"/>
+                    <a:pt x="892" y="817"/>
+                    <a:pt x="705" y="599"/>
+                  </a:cubicBezTo>
+                  <a:cubicBezTo>
+                    <a:pt x="503" y="365"/>
+                    <a:pt x="270" y="152"/>
+                    <a:pt x="0" y="0"/>
+                  </a:cubicBezTo>
+                </a:path>
+              </a:pathLst>
+            </a:custGeom>
+            <a:noFill/>
+            <a:ln w="9525" cap="flat" cmpd="sng">
+              <a:solidFill>
+                <a:schemeClr val="dk1">
+                  <a:alpha val="20000"/>
+                </a:schemeClr>
+              </a:solidFill>
+              <a:prstDash val="solid"/>
+              <a:miter lim="800000"/>
+              <a:headEnd type="none" w="sm" len="sm"/>
+              <a:tailEnd type="none" w="sm" len="sm"/>
+            </a:ln>
+          </p:spPr>
+          <p:txBody>
+            <a:bodyPr spcFirstLastPara="1" wrap="square" lIns="91425" tIns="45700" rIns="91425" bIns="45700" anchor="t" anchorCtr="0">
+              <a:noAutofit/>
+            </a:bodyPr>
+            <a:lstStyle/>
+            <a:p>
+              <a:pPr marL="0" marR="0" lvl="0" indent="0" algn="l" rtl="0">
+                <a:lnSpc>
+                  <a:spcPct val="100000"/>
+                </a:lnSpc>
+                <a:spcBef>
+                  <a:spcPts val="0"/>
+                </a:spcBef>
+                <a:spcAft>
+                  <a:spcPts val="0"/>
+                </a:spcAft>
+                <a:buClr>
+                  <a:schemeClr val="dk1"/>
+                </a:buClr>
+                <a:buSzPts val="1800"/>
+                <a:buFont typeface="Rockwell"/>
+                <a:buNone/>
+              </a:pPr>
+              <a:endParaRPr sz="1800" b="0" i="0" u="none" strike="noStrike" cap="none">
+                <a:solidFill>
+                  <a:srgbClr val="000000"/>
+                </a:solidFill>
+                <a:latin typeface="Rockwell"/>
+                <a:ea typeface="Rockwell"/>
+                <a:cs typeface="Rockwell"/>
+                <a:sym typeface="Rockwell"/>
+              </a:endParaRPr>
+            </a:p>
+          </p:txBody>
+        </p:sp>
+        <p:sp>
+          <p:nvSpPr>
+            <p:cNvPr id="559" name="Google Shape;559;p13"/>
+            <p:cNvSpPr/>
+            <p:nvPr/>
+          </p:nvSpPr>
+          <p:spPr>
+            <a:xfrm>
+              <a:off x="6463239" y="5579"/>
+              <a:ext cx="5413375" cy="6866337"/>
+            </a:xfrm>
+            <a:custGeom>
+              <a:avLst/>
+              <a:gdLst/>
+              <a:ahLst/>
+              <a:cxnLst/>
+              <a:rect l="l" t="t" r="r" b="b"/>
+              <a:pathLst>
+                <a:path w="1137" h="1440" extrusionOk="0">
+                  <a:moveTo>
+                    <a:pt x="1040" y="1440"/>
+                  </a:moveTo>
+                  <a:cubicBezTo>
+                    <a:pt x="1137" y="1131"/>
+                    <a:pt x="883" y="828"/>
+                    <a:pt x="698" y="611"/>
+                  </a:cubicBezTo>
+                  <a:cubicBezTo>
+                    <a:pt x="498" y="375"/>
+                    <a:pt x="268" y="159"/>
+                    <a:pt x="0" y="0"/>
+                  </a:cubicBezTo>
+                </a:path>
+              </a:pathLst>
+            </a:custGeom>
+            <a:noFill/>
+            <a:ln w="9525" cap="flat" cmpd="sng">
+              <a:solidFill>
+                <a:schemeClr val="dk1">
+                  <a:alpha val="20000"/>
+                </a:schemeClr>
+              </a:solidFill>
+              <a:prstDash val="solid"/>
+              <a:miter lim="800000"/>
+              <a:headEnd type="none" w="sm" len="sm"/>
+              <a:tailEnd type="none" w="sm" len="sm"/>
+            </a:ln>
+          </p:spPr>
+          <p:txBody>
+            <a:bodyPr spcFirstLastPara="1" wrap="square" lIns="91425" tIns="45700" rIns="91425" bIns="45700" anchor="t" anchorCtr="0">
+              <a:noAutofit/>
+            </a:bodyPr>
+            <a:lstStyle/>
+            <a:p>
+              <a:pPr marL="0" marR="0" lvl="0" indent="0" algn="l" rtl="0">
+                <a:lnSpc>
+                  <a:spcPct val="100000"/>
+                </a:lnSpc>
+                <a:spcBef>
+                  <a:spcPts val="0"/>
+                </a:spcBef>
+                <a:spcAft>
+                  <a:spcPts val="0"/>
+                </a:spcAft>
+                <a:buClr>
+                  <a:schemeClr val="dk1"/>
+                </a:buClr>
+                <a:buSzPts val="1800"/>
+                <a:buFont typeface="Rockwell"/>
+                <a:buNone/>
+              </a:pPr>
+              <a:endParaRPr sz="1800" b="0" i="0" u="none" strike="noStrike" cap="none">
+                <a:solidFill>
+                  <a:srgbClr val="000000"/>
+                </a:solidFill>
+                <a:latin typeface="Rockwell"/>
+                <a:ea typeface="Rockwell"/>
+                <a:cs typeface="Rockwell"/>
+                <a:sym typeface="Rockwell"/>
+              </a:endParaRPr>
+            </a:p>
+          </p:txBody>
+        </p:sp>
+        <p:sp>
+          <p:nvSpPr>
+            <p:cNvPr id="560" name="Google Shape;560;p13"/>
+            <p:cNvSpPr/>
+            <p:nvPr/>
+          </p:nvSpPr>
+          <p:spPr>
+            <a:xfrm>
+              <a:off x="6877576" y="5579"/>
+              <a:ext cx="5037138" cy="6861550"/>
+            </a:xfrm>
+            <a:custGeom>
+              <a:avLst/>
+              <a:gdLst/>
+              <a:ahLst/>
+              <a:cxnLst/>
+              <a:rect l="l" t="t" r="r" b="b"/>
+              <a:pathLst>
+                <a:path w="1058" h="1439" extrusionOk="0">
+                  <a:moveTo>
+                    <a:pt x="1011" y="1439"/>
+                  </a:moveTo>
+                  <a:cubicBezTo>
+                    <a:pt x="1058" y="1131"/>
+                    <a:pt x="825" y="841"/>
+                    <a:pt x="648" y="617"/>
+                  </a:cubicBezTo>
+                  <a:cubicBezTo>
+                    <a:pt x="462" y="383"/>
+                    <a:pt x="248" y="168"/>
+                    <a:pt x="0" y="0"/>
+                  </a:cubicBezTo>
+                </a:path>
+              </a:pathLst>
+            </a:custGeom>
+            <a:noFill/>
+            <a:ln w="9525" cap="flat" cmpd="sng">
+              <a:solidFill>
+                <a:schemeClr val="dk1">
+                  <a:alpha val="20000"/>
+                </a:schemeClr>
+              </a:solidFill>
+              <a:prstDash val="solid"/>
+              <a:miter lim="800000"/>
+              <a:headEnd type="none" w="sm" len="sm"/>
+              <a:tailEnd type="none" w="sm" len="sm"/>
+            </a:ln>
+          </p:spPr>
+          <p:txBody>
+            <a:bodyPr spcFirstLastPara="1" wrap="square" lIns="91425" tIns="45700" rIns="91425" bIns="45700" anchor="t" anchorCtr="0">
+              <a:noAutofit/>
+            </a:bodyPr>
+            <a:lstStyle/>
+            <a:p>
+              <a:pPr marL="0" marR="0" lvl="0" indent="0" algn="l" rtl="0">
+                <a:lnSpc>
+                  <a:spcPct val="100000"/>
+                </a:lnSpc>
+                <a:spcBef>
+                  <a:spcPts val="0"/>
+                </a:spcBef>
+                <a:spcAft>
+                  <a:spcPts val="0"/>
+                </a:spcAft>
+                <a:buClr>
+                  <a:schemeClr val="dk1"/>
+                </a:buClr>
+                <a:buSzPts val="1800"/>
+                <a:buFont typeface="Rockwell"/>
+                <a:buNone/>
+              </a:pPr>
+              <a:endParaRPr sz="1800" b="0" i="0" u="none" strike="noStrike" cap="none">
+                <a:solidFill>
+                  <a:srgbClr val="000000"/>
+                </a:solidFill>
+                <a:latin typeface="Rockwell"/>
+                <a:ea typeface="Rockwell"/>
+                <a:cs typeface="Rockwell"/>
+                <a:sym typeface="Rockwell"/>
+              </a:endParaRPr>
+            </a:p>
+          </p:txBody>
+        </p:sp>
+        <p:sp>
+          <p:nvSpPr>
+            <p:cNvPr id="561" name="Google Shape;561;p13"/>
+            <p:cNvSpPr/>
+            <p:nvPr/>
+          </p:nvSpPr>
+          <p:spPr>
+            <a:xfrm>
+              <a:off x="8768289" y="5579"/>
+              <a:ext cx="3417888" cy="2742066"/>
+            </a:xfrm>
+            <a:custGeom>
+              <a:avLst/>
+              <a:gdLst/>
+              <a:ahLst/>
+              <a:cxnLst/>
+              <a:rect l="l" t="t" r="r" b="b"/>
+              <a:pathLst>
+                <a:path w="718" h="575" extrusionOk="0">
+                  <a:moveTo>
+                    <a:pt x="718" y="575"/>
+                  </a:moveTo>
+                  <a:cubicBezTo>
+                    <a:pt x="500" y="360"/>
+                    <a:pt x="260" y="163"/>
+                    <a:pt x="0" y="0"/>
+                  </a:cubicBezTo>
+                </a:path>
+              </a:pathLst>
+            </a:custGeom>
+            <a:noFill/>
+            <a:ln w="9525" cap="flat" cmpd="sng">
+              <a:solidFill>
+                <a:schemeClr val="dk1">
+                  <a:alpha val="20000"/>
+                </a:schemeClr>
+              </a:solidFill>
+              <a:prstDash val="solid"/>
+              <a:miter lim="800000"/>
+              <a:headEnd type="none" w="sm" len="sm"/>
+              <a:tailEnd type="none" w="sm" len="sm"/>
+            </a:ln>
+          </p:spPr>
+          <p:txBody>
+            <a:bodyPr spcFirstLastPara="1" wrap="square" lIns="91425" tIns="45700" rIns="91425" bIns="45700" anchor="t" anchorCtr="0">
+              <a:noAutofit/>
+            </a:bodyPr>
+            <a:lstStyle/>
+            <a:p>
+              <a:pPr marL="0" marR="0" lvl="0" indent="0" algn="l" rtl="0">
+                <a:lnSpc>
+                  <a:spcPct val="100000"/>
+                </a:lnSpc>
+                <a:spcBef>
+                  <a:spcPts val="0"/>
+                </a:spcBef>
+                <a:spcAft>
+                  <a:spcPts val="0"/>
+                </a:spcAft>
+                <a:buClr>
+                  <a:schemeClr val="dk1"/>
+                </a:buClr>
+                <a:buSzPts val="1800"/>
+                <a:buFont typeface="Rockwell"/>
+                <a:buNone/>
+              </a:pPr>
+              <a:endParaRPr sz="1800" b="0" i="0" u="none" strike="noStrike" cap="none">
+                <a:solidFill>
+                  <a:srgbClr val="000000"/>
+                </a:solidFill>
+                <a:latin typeface="Rockwell"/>
+                <a:ea typeface="Rockwell"/>
+                <a:cs typeface="Rockwell"/>
+                <a:sym typeface="Rockwell"/>
+              </a:endParaRPr>
+            </a:p>
+          </p:txBody>
+        </p:sp>
+        <p:sp>
+          <p:nvSpPr>
+            <p:cNvPr id="562" name="Google Shape;562;p13"/>
+            <p:cNvSpPr/>
+            <p:nvPr/>
+          </p:nvSpPr>
+          <p:spPr>
+            <a:xfrm>
+              <a:off x="9235014" y="10367"/>
+              <a:ext cx="2951163" cy="2555325"/>
+            </a:xfrm>
+            <a:custGeom>
+              <a:avLst/>
+              <a:gdLst/>
+              <a:ahLst/>
+              <a:cxnLst/>
+              <a:rect l="l" t="t" r="r" b="b"/>
+              <a:pathLst>
+                <a:path w="620" h="536" extrusionOk="0">
+                  <a:moveTo>
+                    <a:pt x="620" y="536"/>
+                  </a:moveTo>
+                  <a:cubicBezTo>
+                    <a:pt x="404" y="314"/>
+                    <a:pt x="196" y="138"/>
+                    <a:pt x="0" y="0"/>
+                  </a:cubicBezTo>
+                </a:path>
+              </a:pathLst>
+            </a:custGeom>
+            <a:noFill/>
+            <a:ln w="9525" cap="flat" cmpd="sng">
+              <a:solidFill>
+                <a:schemeClr val="dk1">
+                  <a:alpha val="20000"/>
+                </a:schemeClr>
+              </a:solidFill>
+              <a:prstDash val="solid"/>
+              <a:miter lim="800000"/>
+              <a:headEnd type="none" w="sm" len="sm"/>
+              <a:tailEnd type="none" w="sm" len="sm"/>
+            </a:ln>
+          </p:spPr>
+          <p:txBody>
+            <a:bodyPr spcFirstLastPara="1" wrap="square" lIns="91425" tIns="45700" rIns="91425" bIns="45700" anchor="t" anchorCtr="0">
+              <a:noAutofit/>
+            </a:bodyPr>
+            <a:lstStyle/>
+            <a:p>
+              <a:pPr marL="0" marR="0" lvl="0" indent="0" algn="l" rtl="0">
+                <a:lnSpc>
+                  <a:spcPct val="100000"/>
+                </a:lnSpc>
+                <a:spcBef>
+                  <a:spcPts val="0"/>
+                </a:spcBef>
+                <a:spcAft>
+                  <a:spcPts val="0"/>
+                </a:spcAft>
+                <a:buClr>
+                  <a:schemeClr val="dk1"/>
+                </a:buClr>
+                <a:buSzPts val="1800"/>
+                <a:buFont typeface="Rockwell"/>
+                <a:buNone/>
+              </a:pPr>
+              <a:endParaRPr sz="1800" b="0" i="0" u="none" strike="noStrike" cap="none">
+                <a:solidFill>
+                  <a:srgbClr val="000000"/>
+                </a:solidFill>
+                <a:latin typeface="Rockwell"/>
+                <a:ea typeface="Rockwell"/>
+                <a:cs typeface="Rockwell"/>
+                <a:sym typeface="Rockwell"/>
+              </a:endParaRPr>
+            </a:p>
+          </p:txBody>
+        </p:sp>
+        <p:sp>
+          <p:nvSpPr>
+            <p:cNvPr id="563" name="Google Shape;563;p13"/>
+            <p:cNvSpPr/>
+            <p:nvPr/>
+          </p:nvSpPr>
+          <p:spPr>
+            <a:xfrm>
+              <a:off x="10020826" y="5579"/>
+              <a:ext cx="2165350" cy="1358265"/>
+            </a:xfrm>
+            <a:custGeom>
+              <a:avLst/>
+              <a:gdLst/>
+              <a:ahLst/>
+              <a:cxnLst/>
+              <a:rect l="l" t="t" r="r" b="b"/>
+              <a:pathLst>
+                <a:path w="455" h="285" extrusionOk="0">
+                  <a:moveTo>
+                    <a:pt x="0" y="0"/>
+                  </a:moveTo>
+                  <a:cubicBezTo>
+                    <a:pt x="153" y="85"/>
+                    <a:pt x="308" y="180"/>
+                    <a:pt x="455" y="285"/>
+                  </a:cubicBezTo>
+                </a:path>
+              </a:pathLst>
+            </a:custGeom>
+            <a:noFill/>
+            <a:ln w="9525" cap="flat" cmpd="sng">
+              <a:solidFill>
+                <a:schemeClr val="dk1">
+                  <a:alpha val="20000"/>
+                </a:schemeClr>
+              </a:solidFill>
+              <a:prstDash val="dash"/>
+              <a:miter lim="800000"/>
+              <a:headEnd type="none" w="sm" len="sm"/>
+              <a:tailEnd type="none" w="sm" len="sm"/>
+            </a:ln>
+          </p:spPr>
+          <p:txBody>
+            <a:bodyPr spcFirstLastPara="1" wrap="square" lIns="91425" tIns="45700" rIns="91425" bIns="45700" anchor="t" anchorCtr="0">
+              <a:noAutofit/>
+            </a:bodyPr>
+            <a:lstStyle/>
+            <a:p>
+              <a:pPr marL="0" marR="0" lvl="0" indent="0" algn="l" rtl="0">
+                <a:lnSpc>
+                  <a:spcPct val="100000"/>
+                </a:lnSpc>
+                <a:spcBef>
+                  <a:spcPts val="0"/>
+                </a:spcBef>
+                <a:spcAft>
+                  <a:spcPts val="0"/>
+                </a:spcAft>
+                <a:buClr>
+                  <a:schemeClr val="dk1"/>
+                </a:buClr>
+                <a:buSzPts val="1800"/>
+                <a:buFont typeface="Rockwell"/>
+                <a:buNone/>
+              </a:pPr>
+              <a:endParaRPr sz="1800" b="0" i="0" u="none" strike="noStrike" cap="none">
+                <a:solidFill>
+                  <a:srgbClr val="000000"/>
+                </a:solidFill>
+                <a:latin typeface="Rockwell"/>
+                <a:ea typeface="Rockwell"/>
+                <a:cs typeface="Rockwell"/>
+                <a:sym typeface="Rockwell"/>
+              </a:endParaRPr>
+            </a:p>
+          </p:txBody>
+        </p:sp>
+        <p:sp>
+          <p:nvSpPr>
+            <p:cNvPr id="564" name="Google Shape;564;p13"/>
+            <p:cNvSpPr/>
+            <p:nvPr/>
+          </p:nvSpPr>
+          <p:spPr>
+            <a:xfrm>
+              <a:off x="11290826" y="5579"/>
+              <a:ext cx="895350" cy="534687"/>
+            </a:xfrm>
+            <a:custGeom>
+              <a:avLst/>
+              <a:gdLst/>
+              <a:ahLst/>
+              <a:cxnLst/>
+              <a:rect l="l" t="t" r="r" b="b"/>
+              <a:pathLst>
+                <a:path w="188" h="112" extrusionOk="0">
+                  <a:moveTo>
+                    <a:pt x="0" y="0"/>
+                  </a:moveTo>
+                  <a:cubicBezTo>
+                    <a:pt x="63" y="36"/>
+                    <a:pt x="126" y="73"/>
+                    <a:pt x="188" y="112"/>
+                  </a:cubicBezTo>
+                </a:path>
+              </a:pathLst>
+            </a:custGeom>
+            <a:noFill/>
+            <a:ln w="9525" cap="flat" cmpd="sng">
+              <a:solidFill>
+                <a:schemeClr val="dk1">
+                  <a:alpha val="20000"/>
+                </a:schemeClr>
+              </a:solidFill>
+              <a:prstDash val="solid"/>
+              <a:miter lim="800000"/>
+              <a:headEnd type="none" w="sm" len="sm"/>
+              <a:tailEnd type="none" w="sm" len="sm"/>
+            </a:ln>
+          </p:spPr>
+          <p:txBody>
+            <a:bodyPr spcFirstLastPara="1" wrap="square" lIns="91425" tIns="45700" rIns="91425" bIns="45700" anchor="t" anchorCtr="0">
+              <a:noAutofit/>
+            </a:bodyPr>
+            <a:lstStyle/>
+            <a:p>
+              <a:pPr marL="0" marR="0" lvl="0" indent="0" algn="l" rtl="0">
+                <a:lnSpc>
+                  <a:spcPct val="100000"/>
+                </a:lnSpc>
+                <a:spcBef>
+                  <a:spcPts val="0"/>
+                </a:spcBef>
+                <a:spcAft>
+                  <a:spcPts val="0"/>
+                </a:spcAft>
+                <a:buClr>
+                  <a:schemeClr val="dk1"/>
+                </a:buClr>
+                <a:buSzPts val="1800"/>
+                <a:buFont typeface="Rockwell"/>
+                <a:buNone/>
+              </a:pPr>
+              <a:endParaRPr sz="1800" b="0" i="0" u="none" strike="noStrike" cap="none">
+                <a:solidFill>
+                  <a:srgbClr val="000000"/>
+                </a:solidFill>
+                <a:latin typeface="Rockwell"/>
+                <a:ea typeface="Rockwell"/>
+                <a:cs typeface="Rockwell"/>
+                <a:sym typeface="Rockwell"/>
+              </a:endParaRPr>
+            </a:p>
+          </p:txBody>
+        </p:sp>
+      </p:grpSp>
+      <p:grpSp>
+        <p:nvGrpSpPr>
+          <p:cNvPr id="565" name="Google Shape;565;p13"/>
+          <p:cNvGrpSpPr/>
+          <p:nvPr/>
+        </p:nvGrpSpPr>
+        <p:grpSpPr>
+          <a:xfrm>
+            <a:off x="1669293" y="1186483"/>
+            <a:ext cx="8848345" cy="4477933"/>
+            <a:chOff x="1669293" y="1186483"/>
+            <a:chExt cx="8848345" cy="4477933"/>
+          </a:xfrm>
+        </p:grpSpPr>
+        <p:sp>
+          <p:nvSpPr>
+            <p:cNvPr id="566" name="Google Shape;566;p13"/>
+            <p:cNvSpPr/>
+            <p:nvPr/>
+          </p:nvSpPr>
+          <p:spPr>
+            <a:xfrm>
+              <a:off x="1674042" y="1186483"/>
+              <a:ext cx="8843596" cy="716184"/>
+            </a:xfrm>
+            <a:prstGeom prst="rect">
+              <a:avLst/>
+            </a:prstGeom>
+            <a:solidFill>
+              <a:schemeClr val="accent1"/>
+            </a:solidFill>
+            <a:ln>
+              <a:noFill/>
+            </a:ln>
+          </p:spPr>
+          <p:txBody>
+            <a:bodyPr spcFirstLastPara="1" wrap="square" lIns="91425" tIns="45700" rIns="91425" bIns="45700" anchor="t" anchorCtr="0">
+              <a:noAutofit/>
+            </a:bodyPr>
+            <a:lstStyle/>
+            <a:p>
+              <a:pPr marL="0" marR="0" lvl="0" indent="0" algn="l" rtl="0">
+                <a:lnSpc>
+                  <a:spcPct val="100000"/>
+                </a:lnSpc>
+                <a:spcBef>
+                  <a:spcPts val="0"/>
+                </a:spcBef>
+                <a:spcAft>
+                  <a:spcPts val="0"/>
+                </a:spcAft>
+                <a:buClr>
+                  <a:schemeClr val="lt1"/>
+                </a:buClr>
+                <a:buSzPts val="1800"/>
+                <a:buFont typeface="Rockwell"/>
+                <a:buNone/>
+              </a:pPr>
+              <a:endParaRPr sz="1800" b="0" i="0" u="none" strike="noStrike" cap="none">
+                <a:solidFill>
+                  <a:srgbClr val="FFFFFF"/>
+                </a:solidFill>
+                <a:latin typeface="Rockwell"/>
+                <a:ea typeface="Rockwell"/>
+                <a:cs typeface="Rockwell"/>
+                <a:sym typeface="Rockwell"/>
+              </a:endParaRPr>
+            </a:p>
+          </p:txBody>
+        </p:sp>
+        <p:sp>
+          <p:nvSpPr>
+            <p:cNvPr id="567" name="Google Shape;567;p13"/>
+            <p:cNvSpPr/>
+            <p:nvPr/>
+          </p:nvSpPr>
+          <p:spPr>
+            <a:xfrm rot="10800000">
+              <a:off x="5892384" y="5313353"/>
+              <a:ext cx="407233" cy="351063"/>
+            </a:xfrm>
+            <a:prstGeom prst="triangle">
+              <a:avLst>
+                <a:gd name="adj" fmla="val 50000"/>
+              </a:avLst>
+            </a:prstGeom>
+            <a:solidFill>
+              <a:schemeClr val="accent1"/>
+            </a:solidFill>
+            <a:ln>
+              <a:noFill/>
+            </a:ln>
+          </p:spPr>
+          <p:txBody>
+            <a:bodyPr spcFirstLastPara="1" wrap="square" lIns="91425" tIns="45700" rIns="91425" bIns="45700" anchor="t" anchorCtr="0">
+              <a:noAutofit/>
+            </a:bodyPr>
+            <a:lstStyle/>
+            <a:p>
+              <a:pPr marL="0" marR="0" lvl="0" indent="0" algn="l" rtl="0">
+                <a:lnSpc>
+                  <a:spcPct val="100000"/>
+                </a:lnSpc>
+                <a:spcBef>
+                  <a:spcPts val="0"/>
+                </a:spcBef>
+                <a:spcAft>
+                  <a:spcPts val="0"/>
+                </a:spcAft>
+                <a:buClr>
+                  <a:schemeClr val="lt1"/>
+                </a:buClr>
+                <a:buSzPts val="1800"/>
+                <a:buFont typeface="Rockwell"/>
+                <a:buNone/>
+              </a:pPr>
+              <a:endParaRPr sz="1800" b="0" i="0" u="none" strike="noStrike" cap="none">
+                <a:solidFill>
+                  <a:srgbClr val="FFFFFF"/>
+                </a:solidFill>
+                <a:latin typeface="Rockwell"/>
+                <a:ea typeface="Rockwell"/>
+                <a:cs typeface="Rockwell"/>
+                <a:sym typeface="Rockwell"/>
+              </a:endParaRPr>
+            </a:p>
+          </p:txBody>
+        </p:sp>
+        <p:sp>
+          <p:nvSpPr>
+            <p:cNvPr id="568" name="Google Shape;568;p13"/>
+            <p:cNvSpPr/>
+            <p:nvPr/>
+          </p:nvSpPr>
+          <p:spPr>
+            <a:xfrm>
+              <a:off x="1669293" y="1991156"/>
+              <a:ext cx="8845667" cy="3322196"/>
+            </a:xfrm>
+            <a:prstGeom prst="rect">
+              <a:avLst/>
+            </a:prstGeom>
+            <a:solidFill>
+              <a:schemeClr val="accent1"/>
+            </a:solidFill>
+            <a:ln>
+              <a:noFill/>
+            </a:ln>
+          </p:spPr>
+          <p:txBody>
+            <a:bodyPr spcFirstLastPara="1" wrap="square" lIns="91425" tIns="45700" rIns="91425" bIns="45700" anchor="t" anchorCtr="0">
+              <a:noAutofit/>
+            </a:bodyPr>
+            <a:lstStyle/>
+            <a:p>
+              <a:pPr marL="0" marR="0" lvl="0" indent="0" algn="l" rtl="0">
+                <a:lnSpc>
+                  <a:spcPct val="100000"/>
+                </a:lnSpc>
+                <a:spcBef>
+                  <a:spcPts val="0"/>
+                </a:spcBef>
+                <a:spcAft>
+                  <a:spcPts val="0"/>
+                </a:spcAft>
+                <a:buClr>
+                  <a:schemeClr val="lt1"/>
+                </a:buClr>
+                <a:buSzPts val="1800"/>
+                <a:buFont typeface="Rockwell"/>
+                <a:buNone/>
+              </a:pPr>
+              <a:endParaRPr sz="1800" b="0" i="0" u="none" strike="noStrike" cap="none">
+                <a:solidFill>
+                  <a:srgbClr val="FFFFFF"/>
+                </a:solidFill>
+                <a:latin typeface="Rockwell"/>
+                <a:ea typeface="Rockwell"/>
+                <a:cs typeface="Rockwell"/>
+                <a:sym typeface="Rockwell"/>
+              </a:endParaRPr>
+            </a:p>
+          </p:txBody>
+        </p:sp>
+      </p:grpSp>
+      <p:sp>
+        <p:nvSpPr>
+          <p:cNvPr id="569" name="Google Shape;569;p13"/>
+          <p:cNvSpPr/>
+          <p:nvPr/>
+        </p:nvSpPr>
+        <p:spPr>
+          <a:xfrm>
+            <a:off x="0" y="0"/>
+            <a:ext cx="12191695" cy="6858000"/>
+          </a:xfrm>
+          <a:prstGeom prst="rect">
+            <a:avLst/>
+          </a:prstGeom>
+          <a:solidFill>
+            <a:schemeClr val="lt1"/>
+          </a:solidFill>
+          <a:ln>
+            <a:noFill/>
+          </a:ln>
+        </p:spPr>
+        <p:txBody>
+          <a:bodyPr spcFirstLastPara="1" wrap="square" lIns="91425" tIns="45700" rIns="91425" bIns="45700" anchor="ctr" anchorCtr="0">
+            <a:noAutofit/>
+          </a:bodyPr>
+          <a:lstStyle/>
+          <a:p>
+            <a:pPr marL="0" marR="0" lvl="0" indent="0" algn="ctr" rtl="0">
+              <a:lnSpc>
+                <a:spcPct val="100000"/>
+              </a:lnSpc>
+              <a:spcBef>
+                <a:spcPts val="0"/>
+              </a:spcBef>
+              <a:spcAft>
+                <a:spcPts val="0"/>
+              </a:spcAft>
+              <a:buClr>
+                <a:schemeClr val="lt1"/>
+              </a:buClr>
+              <a:buSzPts val="1800"/>
+              <a:buFont typeface="Rockwell"/>
+              <a:buNone/>
+            </a:pPr>
+            <a:endParaRPr sz="1800" b="0" i="0" u="none" strike="noStrike" cap="none">
+              <a:solidFill>
+                <a:srgbClr val="FFFFFF"/>
+              </a:solidFill>
+              <a:latin typeface="Rockwell"/>
+              <a:ea typeface="Rockwell"/>
+              <a:cs typeface="Rockwell"/>
+              <a:sym typeface="Rockwell"/>
+            </a:endParaRPr>
+          </a:p>
+        </p:txBody>
+      </p:sp>
+      <p:grpSp>
+        <p:nvGrpSpPr>
+          <p:cNvPr id="570" name="Google Shape;570;p13"/>
+          <p:cNvGrpSpPr/>
+          <p:nvPr/>
+        </p:nvGrpSpPr>
+        <p:grpSpPr>
+          <a:xfrm>
+            <a:off x="-329674" y="-59376"/>
+            <a:ext cx="12515851" cy="6923798"/>
+            <a:chOff x="-329674" y="-51881"/>
+            <a:chExt cx="12515851" cy="6923798"/>
+          </a:xfrm>
+        </p:grpSpPr>
+        <p:sp>
+          <p:nvSpPr>
+            <p:cNvPr id="571" name="Google Shape;571;p13"/>
+            <p:cNvSpPr/>
+            <p:nvPr/>
+          </p:nvSpPr>
+          <p:spPr>
+            <a:xfrm>
+              <a:off x="-329674" y="1298404"/>
+              <a:ext cx="9702800" cy="5573512"/>
+            </a:xfrm>
+            <a:custGeom>
+              <a:avLst/>
+              <a:gdLst/>
+              <a:ahLst/>
+              <a:cxnLst/>
+              <a:rect l="l" t="t" r="r" b="b"/>
+              <a:pathLst>
+                <a:path w="2038" h="1169" extrusionOk="0">
+                  <a:moveTo>
+                    <a:pt x="1752" y="1169"/>
+                  </a:moveTo>
+                  <a:cubicBezTo>
+                    <a:pt x="2038" y="928"/>
+                    <a:pt x="1673" y="513"/>
+                    <a:pt x="1487" y="334"/>
+                  </a:cubicBezTo>
+                  <a:cubicBezTo>
+                    <a:pt x="1316" y="170"/>
+                    <a:pt x="1099" y="43"/>
+                    <a:pt x="860" y="22"/>
+                  </a:cubicBezTo>
+                  <a:cubicBezTo>
+                    <a:pt x="621" y="0"/>
+                    <a:pt x="341" y="128"/>
+                    <a:pt x="199" y="318"/>
+                  </a:cubicBezTo>
+                  <a:cubicBezTo>
+                    <a:pt x="0" y="586"/>
+                    <a:pt x="184" y="965"/>
+                    <a:pt x="399" y="1165"/>
+                  </a:cubicBezTo>
+                </a:path>
+              </a:pathLst>
+            </a:custGeom>
+            <a:noFill/>
+            <a:ln w="9525" cap="flat" cmpd="sng">
+              <a:solidFill>
+                <a:schemeClr val="dk1">
+                  <a:alpha val="20000"/>
+                </a:schemeClr>
+              </a:solidFill>
+              <a:prstDash val="solid"/>
+              <a:miter lim="800000"/>
+              <a:headEnd type="none" w="sm" len="sm"/>
+              <a:tailEnd type="none" w="sm" len="sm"/>
+            </a:ln>
+          </p:spPr>
+          <p:txBody>
+            <a:bodyPr spcFirstLastPara="1" wrap="square" lIns="91425" tIns="45700" rIns="91425" bIns="45700" anchor="t" anchorCtr="0">
+              <a:noAutofit/>
+            </a:bodyPr>
+            <a:lstStyle/>
+            <a:p>
+              <a:pPr marL="0" marR="0" lvl="0" indent="0" algn="l" rtl="0">
+                <a:lnSpc>
+                  <a:spcPct val="100000"/>
+                </a:lnSpc>
+                <a:spcBef>
+                  <a:spcPts val="0"/>
+                </a:spcBef>
+                <a:spcAft>
+                  <a:spcPts val="0"/>
+                </a:spcAft>
+                <a:buClr>
+                  <a:schemeClr val="dk1"/>
+                </a:buClr>
+                <a:buSzPts val="1800"/>
+                <a:buFont typeface="Rockwell"/>
+                <a:buNone/>
+              </a:pPr>
+              <a:endParaRPr sz="1800" b="0" i="0" u="none" strike="noStrike" cap="none">
+                <a:solidFill>
+                  <a:srgbClr val="000000"/>
+                </a:solidFill>
+                <a:latin typeface="Rockwell"/>
+                <a:ea typeface="Rockwell"/>
+                <a:cs typeface="Rockwell"/>
+                <a:sym typeface="Rockwell"/>
+              </a:endParaRPr>
+            </a:p>
+          </p:txBody>
+        </p:sp>
+        <p:sp>
+          <p:nvSpPr>
+            <p:cNvPr id="572" name="Google Shape;572;p13"/>
+            <p:cNvSpPr/>
+            <p:nvPr/>
+          </p:nvSpPr>
+          <p:spPr>
+            <a:xfrm>
+              <a:off x="670451" y="2018236"/>
+              <a:ext cx="7373938" cy="4848892"/>
+            </a:xfrm>
+            <a:custGeom>
+              <a:avLst/>
+              <a:gdLst/>
+              <a:ahLst/>
+              <a:cxnLst/>
+              <a:rect l="l" t="t" r="r" b="b"/>
+              <a:pathLst>
+                <a:path w="1549" h="1017" extrusionOk="0">
+                  <a:moveTo>
+                    <a:pt x="1025" y="1016"/>
+                  </a:moveTo>
+                  <a:cubicBezTo>
+                    <a:pt x="1223" y="971"/>
+                    <a:pt x="1549" y="857"/>
+                    <a:pt x="1443" y="592"/>
+                  </a:cubicBezTo>
+                  <a:cubicBezTo>
+                    <a:pt x="1344" y="344"/>
+                    <a:pt x="1041" y="111"/>
+                    <a:pt x="782" y="53"/>
+                  </a:cubicBezTo>
+                  <a:cubicBezTo>
+                    <a:pt x="545" y="0"/>
+                    <a:pt x="275" y="117"/>
+                    <a:pt x="150" y="329"/>
+                  </a:cubicBezTo>
+                  <a:cubicBezTo>
+                    <a:pt x="0" y="584"/>
+                    <a:pt x="243" y="911"/>
+                    <a:pt x="477" y="1017"/>
+                  </a:cubicBezTo>
+                </a:path>
+              </a:pathLst>
+            </a:custGeom>
+            <a:noFill/>
+            <a:ln w="9525" cap="flat" cmpd="sng">
+              <a:solidFill>
+                <a:schemeClr val="dk1">
+                  <a:alpha val="20000"/>
+                </a:schemeClr>
+              </a:solidFill>
+              <a:prstDash val="solid"/>
+              <a:miter lim="800000"/>
+              <a:headEnd type="none" w="sm" len="sm"/>
+              <a:tailEnd type="none" w="sm" len="sm"/>
+            </a:ln>
+          </p:spPr>
+          <p:txBody>
+            <a:bodyPr spcFirstLastPara="1" wrap="square" lIns="91425" tIns="45700" rIns="91425" bIns="45700" anchor="t" anchorCtr="0">
+              <a:noAutofit/>
+            </a:bodyPr>
+            <a:lstStyle/>
+            <a:p>
+              <a:pPr marL="0" marR="0" lvl="0" indent="0" algn="l" rtl="0">
+                <a:lnSpc>
+                  <a:spcPct val="100000"/>
+                </a:lnSpc>
+                <a:spcBef>
+                  <a:spcPts val="0"/>
+                </a:spcBef>
+                <a:spcAft>
+                  <a:spcPts val="0"/>
+                </a:spcAft>
+                <a:buClr>
+                  <a:schemeClr val="dk1"/>
+                </a:buClr>
+                <a:buSzPts val="1800"/>
+                <a:buFont typeface="Rockwell"/>
+                <a:buNone/>
+              </a:pPr>
+              <a:endParaRPr sz="1800" b="0" i="0" u="none" strike="noStrike" cap="none">
+                <a:solidFill>
+                  <a:srgbClr val="000000"/>
+                </a:solidFill>
+                <a:latin typeface="Rockwell"/>
+                <a:ea typeface="Rockwell"/>
+                <a:cs typeface="Rockwell"/>
+                <a:sym typeface="Rockwell"/>
+              </a:endParaRPr>
+            </a:p>
+          </p:txBody>
+        </p:sp>
+        <p:sp>
+          <p:nvSpPr>
+            <p:cNvPr id="573" name="Google Shape;573;p13"/>
+            <p:cNvSpPr/>
+            <p:nvPr/>
+          </p:nvSpPr>
+          <p:spPr>
+            <a:xfrm>
+              <a:off x="251351" y="1788400"/>
+              <a:ext cx="8035925" cy="5083516"/>
+            </a:xfrm>
+            <a:custGeom>
+              <a:avLst/>
+              <a:gdLst/>
+              <a:ahLst/>
+              <a:cxnLst/>
+              <a:rect l="l" t="t" r="r" b="b"/>
+              <a:pathLst>
+                <a:path w="1688" h="1066" extrusionOk="0">
+                  <a:moveTo>
+                    <a:pt x="1302" y="1066"/>
+                  </a:moveTo>
+                  <a:cubicBezTo>
+                    <a:pt x="1416" y="1024"/>
+                    <a:pt x="1551" y="962"/>
+                    <a:pt x="1613" y="850"/>
+                  </a:cubicBezTo>
+                  <a:cubicBezTo>
+                    <a:pt x="1688" y="715"/>
+                    <a:pt x="1606" y="575"/>
+                    <a:pt x="1517" y="471"/>
+                  </a:cubicBezTo>
+                  <a:cubicBezTo>
+                    <a:pt x="1336" y="258"/>
+                    <a:pt x="1084" y="62"/>
+                    <a:pt x="798" y="28"/>
+                  </a:cubicBezTo>
+                  <a:cubicBezTo>
+                    <a:pt x="559" y="0"/>
+                    <a:pt x="317" y="138"/>
+                    <a:pt x="181" y="333"/>
+                  </a:cubicBezTo>
+                  <a:cubicBezTo>
+                    <a:pt x="0" y="592"/>
+                    <a:pt x="191" y="907"/>
+                    <a:pt x="420" y="1066"/>
+                  </a:cubicBezTo>
+                </a:path>
+              </a:pathLst>
+            </a:custGeom>
+            <a:noFill/>
+            <a:ln w="9525" cap="flat" cmpd="sng">
+              <a:solidFill>
+                <a:schemeClr val="dk1">
+                  <a:alpha val="20000"/>
+                </a:schemeClr>
+              </a:solidFill>
+              <a:prstDash val="dash"/>
+              <a:miter lim="800000"/>
+              <a:headEnd type="none" w="sm" len="sm"/>
+              <a:tailEnd type="none" w="sm" len="sm"/>
+            </a:ln>
+          </p:spPr>
+          <p:txBody>
+            <a:bodyPr spcFirstLastPara="1" wrap="square" lIns="91425" tIns="45700" rIns="91425" bIns="45700" anchor="t" anchorCtr="0">
+              <a:noAutofit/>
+            </a:bodyPr>
+            <a:lstStyle/>
+            <a:p>
+              <a:pPr marL="0" marR="0" lvl="0" indent="0" algn="l" rtl="0">
+                <a:lnSpc>
+                  <a:spcPct val="100000"/>
+                </a:lnSpc>
+                <a:spcBef>
+                  <a:spcPts val="0"/>
+                </a:spcBef>
+                <a:spcAft>
+                  <a:spcPts val="0"/>
+                </a:spcAft>
+                <a:buClr>
+                  <a:schemeClr val="dk1"/>
+                </a:buClr>
+                <a:buSzPts val="1800"/>
+                <a:buFont typeface="Rockwell"/>
+                <a:buNone/>
+              </a:pPr>
+              <a:endParaRPr sz="1800" b="0" i="0" u="none" strike="noStrike" cap="none">
+                <a:solidFill>
+                  <a:srgbClr val="000000"/>
+                </a:solidFill>
+                <a:latin typeface="Rockwell"/>
+                <a:ea typeface="Rockwell"/>
+                <a:cs typeface="Rockwell"/>
+                <a:sym typeface="Rockwell"/>
+              </a:endParaRPr>
+            </a:p>
+          </p:txBody>
+        </p:sp>
+        <p:sp>
+          <p:nvSpPr>
+            <p:cNvPr id="574" name="Google Shape;574;p13"/>
+            <p:cNvSpPr/>
+            <p:nvPr/>
+          </p:nvSpPr>
+          <p:spPr>
+            <a:xfrm>
+              <a:off x="-1061" y="549842"/>
+              <a:ext cx="10334625" cy="6322075"/>
+            </a:xfrm>
+            <a:custGeom>
+              <a:avLst/>
+              <a:gdLst/>
+              <a:ahLst/>
+              <a:cxnLst/>
+              <a:rect l="l" t="t" r="r" b="b"/>
+              <a:pathLst>
+                <a:path w="2171" h="1326" extrusionOk="0">
+                  <a:moveTo>
+                    <a:pt x="1873" y="1326"/>
+                  </a:moveTo>
+                  <a:cubicBezTo>
+                    <a:pt x="2171" y="1045"/>
+                    <a:pt x="1825" y="678"/>
+                    <a:pt x="1609" y="473"/>
+                  </a:cubicBezTo>
+                  <a:cubicBezTo>
+                    <a:pt x="1406" y="281"/>
+                    <a:pt x="1159" y="116"/>
+                    <a:pt x="880" y="63"/>
+                  </a:cubicBezTo>
+                  <a:cubicBezTo>
+                    <a:pt x="545" y="0"/>
+                    <a:pt x="214" y="161"/>
+                    <a:pt x="0" y="423"/>
+                  </a:cubicBezTo>
+                </a:path>
+              </a:pathLst>
+            </a:custGeom>
+            <a:noFill/>
+            <a:ln w="9525" cap="flat" cmpd="sng">
+              <a:solidFill>
+                <a:schemeClr val="dk1">
+                  <a:alpha val="20000"/>
+                </a:schemeClr>
+              </a:solidFill>
+              <a:prstDash val="solid"/>
+              <a:miter lim="800000"/>
+              <a:headEnd type="none" w="sm" len="sm"/>
+              <a:tailEnd type="none" w="sm" len="sm"/>
+            </a:ln>
+          </p:spPr>
+          <p:txBody>
+            <a:bodyPr spcFirstLastPara="1" wrap="square" lIns="91425" tIns="45700" rIns="91425" bIns="45700" anchor="t" anchorCtr="0">
+              <a:noAutofit/>
+            </a:bodyPr>
+            <a:lstStyle/>
+            <a:p>
+              <a:pPr marL="0" marR="0" lvl="0" indent="0" algn="l" rtl="0">
+                <a:lnSpc>
+                  <a:spcPct val="100000"/>
+                </a:lnSpc>
+                <a:spcBef>
+                  <a:spcPts val="0"/>
+                </a:spcBef>
+                <a:spcAft>
+                  <a:spcPts val="0"/>
+                </a:spcAft>
+                <a:buClr>
+                  <a:schemeClr val="dk1"/>
+                </a:buClr>
+                <a:buSzPts val="1800"/>
+                <a:buFont typeface="Rockwell"/>
+                <a:buNone/>
+              </a:pPr>
+              <a:endParaRPr sz="1800" b="0" i="0" u="none" strike="noStrike" cap="none">
+                <a:solidFill>
+                  <a:srgbClr val="000000"/>
+                </a:solidFill>
+                <a:latin typeface="Rockwell"/>
+                <a:ea typeface="Rockwell"/>
+                <a:cs typeface="Rockwell"/>
+                <a:sym typeface="Rockwell"/>
+              </a:endParaRPr>
+            </a:p>
+          </p:txBody>
+        </p:sp>
+        <p:sp>
+          <p:nvSpPr>
+            <p:cNvPr id="575" name="Google Shape;575;p13"/>
+            <p:cNvSpPr/>
+            <p:nvPr/>
+          </p:nvSpPr>
+          <p:spPr>
+            <a:xfrm>
+              <a:off x="3701" y="6186246"/>
+              <a:ext cx="504825" cy="681527"/>
+            </a:xfrm>
+            <a:custGeom>
+              <a:avLst/>
+              <a:gdLst/>
+              <a:ahLst/>
+              <a:cxnLst/>
+              <a:rect l="l" t="t" r="r" b="b"/>
+              <a:pathLst>
+                <a:path w="106" h="143" extrusionOk="0">
+                  <a:moveTo>
+                    <a:pt x="0" y="0"/>
+                  </a:moveTo>
+                  <a:cubicBezTo>
+                    <a:pt x="35" y="54"/>
+                    <a:pt x="70" y="101"/>
+                    <a:pt x="106" y="143"/>
+                  </a:cubicBezTo>
+                </a:path>
+              </a:pathLst>
+            </a:custGeom>
+            <a:noFill/>
+            <a:ln w="9525" cap="flat" cmpd="sng">
+              <a:solidFill>
+                <a:schemeClr val="dk1">
+                  <a:alpha val="20000"/>
+                </a:schemeClr>
+              </a:solidFill>
+              <a:prstDash val="solid"/>
+              <a:miter lim="800000"/>
+              <a:headEnd type="none" w="sm" len="sm"/>
+              <a:tailEnd type="none" w="sm" len="sm"/>
+            </a:ln>
+          </p:spPr>
+          <p:txBody>
+            <a:bodyPr spcFirstLastPara="1" wrap="square" lIns="91425" tIns="45700" rIns="91425" bIns="45700" anchor="t" anchorCtr="0">
+              <a:noAutofit/>
+            </a:bodyPr>
+            <a:lstStyle/>
+            <a:p>
+              <a:pPr marL="0" marR="0" lvl="0" indent="0" algn="l" rtl="0">
+                <a:lnSpc>
+                  <a:spcPct val="100000"/>
+                </a:lnSpc>
+                <a:spcBef>
+                  <a:spcPts val="0"/>
+                </a:spcBef>
+                <a:spcAft>
+                  <a:spcPts val="0"/>
+                </a:spcAft>
+                <a:buClr>
+                  <a:schemeClr val="dk1"/>
+                </a:buClr>
+                <a:buSzPts val="1800"/>
+                <a:buFont typeface="Rockwell"/>
+                <a:buNone/>
+              </a:pPr>
+              <a:endParaRPr sz="1800" b="0" i="0" u="none" strike="noStrike" cap="none">
+                <a:solidFill>
+                  <a:srgbClr val="000000"/>
+                </a:solidFill>
+                <a:latin typeface="Rockwell"/>
+                <a:ea typeface="Rockwell"/>
+                <a:cs typeface="Rockwell"/>
+                <a:sym typeface="Rockwell"/>
+              </a:endParaRPr>
+            </a:p>
+          </p:txBody>
+        </p:sp>
+        <p:sp>
+          <p:nvSpPr>
+            <p:cNvPr id="576" name="Google Shape;576;p13"/>
+            <p:cNvSpPr/>
+            <p:nvPr/>
+          </p:nvSpPr>
+          <p:spPr>
+            <a:xfrm>
+              <a:off x="-1061" y="-51881"/>
+              <a:ext cx="11091863" cy="6923796"/>
+            </a:xfrm>
+            <a:custGeom>
+              <a:avLst/>
+              <a:gdLst/>
+              <a:ahLst/>
+              <a:cxnLst/>
+              <a:rect l="l" t="t" r="r" b="b"/>
+              <a:pathLst>
+                <a:path w="2330" h="1452" extrusionOk="0">
+                  <a:moveTo>
+                    <a:pt x="2046" y="1452"/>
+                  </a:moveTo>
+                  <a:cubicBezTo>
+                    <a:pt x="2330" y="1153"/>
+                    <a:pt x="2049" y="821"/>
+                    <a:pt x="1813" y="601"/>
+                  </a:cubicBezTo>
+                  <a:cubicBezTo>
+                    <a:pt x="1569" y="375"/>
+                    <a:pt x="1282" y="179"/>
+                    <a:pt x="956" y="97"/>
+                  </a:cubicBezTo>
+                  <a:cubicBezTo>
+                    <a:pt x="572" y="0"/>
+                    <a:pt x="292" y="101"/>
+                    <a:pt x="0" y="366"/>
+                  </a:cubicBezTo>
+                </a:path>
+              </a:pathLst>
+            </a:custGeom>
+            <a:noFill/>
+            <a:ln w="9525" cap="flat" cmpd="sng">
+              <a:solidFill>
+                <a:schemeClr val="dk1">
+                  <a:alpha val="20000"/>
+                </a:schemeClr>
+              </a:solidFill>
+              <a:prstDash val="solid"/>
+              <a:miter lim="800000"/>
+              <a:headEnd type="none" w="sm" len="sm"/>
+              <a:tailEnd type="none" w="sm" len="sm"/>
+            </a:ln>
+          </p:spPr>
+          <p:txBody>
+            <a:bodyPr spcFirstLastPara="1" wrap="square" lIns="91425" tIns="45700" rIns="91425" bIns="45700" anchor="t" anchorCtr="0">
+              <a:noAutofit/>
+            </a:bodyPr>
+            <a:lstStyle/>
+            <a:p>
+              <a:pPr marL="0" marR="0" lvl="0" indent="0" algn="l" rtl="0">
+                <a:lnSpc>
+                  <a:spcPct val="100000"/>
+                </a:lnSpc>
+                <a:spcBef>
+                  <a:spcPts val="0"/>
+                </a:spcBef>
+                <a:spcAft>
+                  <a:spcPts val="0"/>
+                </a:spcAft>
+                <a:buClr>
+                  <a:schemeClr val="dk1"/>
+                </a:buClr>
+                <a:buSzPts val="1800"/>
+                <a:buFont typeface="Rockwell"/>
+                <a:buNone/>
+              </a:pPr>
+              <a:endParaRPr sz="1800" b="0" i="0" u="none" strike="noStrike" cap="none">
+                <a:solidFill>
+                  <a:srgbClr val="000000"/>
+                </a:solidFill>
+                <a:latin typeface="Rockwell"/>
+                <a:ea typeface="Rockwell"/>
+                <a:cs typeface="Rockwell"/>
+                <a:sym typeface="Rockwell"/>
+              </a:endParaRPr>
+            </a:p>
+          </p:txBody>
+        </p:sp>
+        <p:sp>
+          <p:nvSpPr>
+            <p:cNvPr id="577" name="Google Shape;577;p13"/>
+            <p:cNvSpPr/>
+            <p:nvPr/>
+          </p:nvSpPr>
+          <p:spPr>
+            <a:xfrm>
+              <a:off x="5426601" y="5579"/>
+              <a:ext cx="5788025" cy="6847184"/>
+            </a:xfrm>
+            <a:custGeom>
+              <a:avLst/>
+              <a:gdLst/>
+              <a:ahLst/>
+              <a:cxnLst/>
+              <a:rect l="l" t="t" r="r" b="b"/>
+              <a:pathLst>
+                <a:path w="1216" h="1436" extrusionOk="0">
+                  <a:moveTo>
+                    <a:pt x="1094" y="1436"/>
+                  </a:moveTo>
+                  <a:cubicBezTo>
+                    <a:pt x="1216" y="1114"/>
+                    <a:pt x="904" y="770"/>
+                    <a:pt x="709" y="551"/>
+                  </a:cubicBezTo>
+                  <a:cubicBezTo>
+                    <a:pt x="509" y="327"/>
+                    <a:pt x="274" y="127"/>
+                    <a:pt x="0" y="0"/>
+                  </a:cubicBezTo>
+                </a:path>
+              </a:pathLst>
+            </a:custGeom>
+            <a:noFill/>
+            <a:ln w="9525" cap="flat" cmpd="sng">
+              <a:solidFill>
+                <a:schemeClr val="dk1">
+                  <a:alpha val="20000"/>
+                </a:schemeClr>
+              </a:solidFill>
+              <a:prstDash val="solid"/>
+              <a:miter lim="800000"/>
+              <a:headEnd type="none" w="sm" len="sm"/>
+              <a:tailEnd type="none" w="sm" len="sm"/>
+            </a:ln>
+          </p:spPr>
+          <p:txBody>
+            <a:bodyPr spcFirstLastPara="1" wrap="square" lIns="91425" tIns="45700" rIns="91425" bIns="45700" anchor="t" anchorCtr="0">
+              <a:noAutofit/>
+            </a:bodyPr>
+            <a:lstStyle/>
+            <a:p>
+              <a:pPr marL="0" marR="0" lvl="0" indent="0" algn="l" rtl="0">
+                <a:lnSpc>
+                  <a:spcPct val="100000"/>
+                </a:lnSpc>
+                <a:spcBef>
+                  <a:spcPts val="0"/>
+                </a:spcBef>
+                <a:spcAft>
+                  <a:spcPts val="0"/>
+                </a:spcAft>
+                <a:buClr>
+                  <a:schemeClr val="dk1"/>
+                </a:buClr>
+                <a:buSzPts val="1800"/>
+                <a:buFont typeface="Rockwell"/>
+                <a:buNone/>
+              </a:pPr>
+              <a:endParaRPr sz="1800" b="0" i="0" u="none" strike="noStrike" cap="none">
+                <a:solidFill>
+                  <a:srgbClr val="000000"/>
+                </a:solidFill>
+                <a:latin typeface="Rockwell"/>
+                <a:ea typeface="Rockwell"/>
+                <a:cs typeface="Rockwell"/>
+                <a:sym typeface="Rockwell"/>
+              </a:endParaRPr>
+            </a:p>
+          </p:txBody>
+        </p:sp>
+        <p:sp>
+          <p:nvSpPr>
+            <p:cNvPr id="578" name="Google Shape;578;p13"/>
+            <p:cNvSpPr/>
+            <p:nvPr/>
+          </p:nvSpPr>
+          <p:spPr>
+            <a:xfrm>
+              <a:off x="-1061" y="5579"/>
+              <a:ext cx="1057275" cy="614491"/>
+            </a:xfrm>
+            <a:custGeom>
+              <a:avLst/>
+              <a:gdLst/>
+              <a:ahLst/>
+              <a:cxnLst/>
+              <a:rect l="l" t="t" r="r" b="b"/>
+              <a:pathLst>
+                <a:path w="222" h="129" extrusionOk="0">
+                  <a:moveTo>
+                    <a:pt x="222" y="0"/>
+                  </a:moveTo>
+                  <a:cubicBezTo>
+                    <a:pt x="152" y="35"/>
+                    <a:pt x="76" y="78"/>
+                    <a:pt x="0" y="129"/>
+                  </a:cubicBezTo>
+                </a:path>
+              </a:pathLst>
+            </a:custGeom>
+            <a:noFill/>
+            <a:ln w="9525" cap="flat" cmpd="sng">
+              <a:solidFill>
+                <a:schemeClr val="dk1">
+                  <a:alpha val="20000"/>
+                </a:schemeClr>
+              </a:solidFill>
+              <a:prstDash val="solid"/>
+              <a:miter lim="800000"/>
+              <a:headEnd type="none" w="sm" len="sm"/>
+              <a:tailEnd type="none" w="sm" len="sm"/>
+            </a:ln>
+          </p:spPr>
+          <p:txBody>
+            <a:bodyPr spcFirstLastPara="1" wrap="square" lIns="91425" tIns="45700" rIns="91425" bIns="45700" anchor="t" anchorCtr="0">
+              <a:noAutofit/>
+            </a:bodyPr>
+            <a:lstStyle/>
+            <a:p>
+              <a:pPr marL="0" marR="0" lvl="0" indent="0" algn="l" rtl="0">
+                <a:lnSpc>
+                  <a:spcPct val="100000"/>
+                </a:lnSpc>
+                <a:spcBef>
+                  <a:spcPts val="0"/>
+                </a:spcBef>
+                <a:spcAft>
+                  <a:spcPts val="0"/>
+                </a:spcAft>
+                <a:buClr>
+                  <a:schemeClr val="dk1"/>
+                </a:buClr>
+                <a:buSzPts val="1800"/>
+                <a:buFont typeface="Rockwell"/>
+                <a:buNone/>
+              </a:pPr>
+              <a:endParaRPr sz="1800" b="0" i="0" u="none" strike="noStrike" cap="none">
+                <a:solidFill>
+                  <a:srgbClr val="000000"/>
+                </a:solidFill>
+                <a:latin typeface="Rockwell"/>
+                <a:ea typeface="Rockwell"/>
+                <a:cs typeface="Rockwell"/>
+                <a:sym typeface="Rockwell"/>
+              </a:endParaRPr>
+            </a:p>
+          </p:txBody>
+        </p:sp>
+        <p:sp>
+          <p:nvSpPr>
+            <p:cNvPr id="579" name="Google Shape;579;p13"/>
+            <p:cNvSpPr/>
+            <p:nvPr/>
+          </p:nvSpPr>
+          <p:spPr>
+            <a:xfrm>
+              <a:off x="5821889" y="5579"/>
+              <a:ext cx="5588000" cy="6866337"/>
+            </a:xfrm>
+            <a:custGeom>
+              <a:avLst/>
+              <a:gdLst/>
+              <a:ahLst/>
+              <a:cxnLst/>
+              <a:rect l="l" t="t" r="r" b="b"/>
+              <a:pathLst>
+                <a:path w="1174" h="1440" extrusionOk="0">
+                  <a:moveTo>
+                    <a:pt x="1067" y="1440"/>
+                  </a:moveTo>
+                  <a:cubicBezTo>
+                    <a:pt x="1174" y="1124"/>
+                    <a:pt x="887" y="797"/>
+                    <a:pt x="698" y="577"/>
+                  </a:cubicBezTo>
+                  <a:cubicBezTo>
+                    <a:pt x="500" y="348"/>
+                    <a:pt x="270" y="141"/>
+                    <a:pt x="0" y="0"/>
+                  </a:cubicBezTo>
+                </a:path>
+              </a:pathLst>
+            </a:custGeom>
+            <a:noFill/>
+            <a:ln w="9525" cap="flat" cmpd="sng">
+              <a:solidFill>
+                <a:schemeClr val="dk1">
+                  <a:alpha val="20000"/>
+                </a:schemeClr>
+              </a:solidFill>
+              <a:prstDash val="dash"/>
+              <a:miter lim="800000"/>
+              <a:headEnd type="none" w="sm" len="sm"/>
+              <a:tailEnd type="none" w="sm" len="sm"/>
+            </a:ln>
+          </p:spPr>
+          <p:txBody>
+            <a:bodyPr spcFirstLastPara="1" wrap="square" lIns="91425" tIns="45700" rIns="91425" bIns="45700" anchor="t" anchorCtr="0">
+              <a:noAutofit/>
+            </a:bodyPr>
+            <a:lstStyle/>
+            <a:p>
+              <a:pPr marL="0" marR="0" lvl="0" indent="0" algn="l" rtl="0">
+                <a:lnSpc>
+                  <a:spcPct val="100000"/>
+                </a:lnSpc>
+                <a:spcBef>
+                  <a:spcPts val="0"/>
+                </a:spcBef>
+                <a:spcAft>
+                  <a:spcPts val="0"/>
+                </a:spcAft>
+                <a:buClr>
+                  <a:schemeClr val="dk1"/>
+                </a:buClr>
+                <a:buSzPts val="1800"/>
+                <a:buFont typeface="Rockwell"/>
+                <a:buNone/>
+              </a:pPr>
+              <a:endParaRPr sz="1800" b="0" i="0" u="none" strike="noStrike" cap="none">
+                <a:solidFill>
+                  <a:srgbClr val="000000"/>
+                </a:solidFill>
+                <a:latin typeface="Rockwell"/>
+                <a:ea typeface="Rockwell"/>
+                <a:cs typeface="Rockwell"/>
+                <a:sym typeface="Rockwell"/>
+              </a:endParaRPr>
+            </a:p>
+          </p:txBody>
+        </p:sp>
+        <p:sp>
+          <p:nvSpPr>
+            <p:cNvPr id="580" name="Google Shape;580;p13"/>
+            <p:cNvSpPr/>
+            <p:nvPr/>
+          </p:nvSpPr>
+          <p:spPr>
+            <a:xfrm>
+              <a:off x="3701" y="790"/>
+              <a:ext cx="595313" cy="352734"/>
+            </a:xfrm>
+            <a:custGeom>
+              <a:avLst/>
+              <a:gdLst/>
+              <a:ahLst/>
+              <a:cxnLst/>
+              <a:rect l="l" t="t" r="r" b="b"/>
+              <a:pathLst>
+                <a:path w="125" h="74" extrusionOk="0">
+                  <a:moveTo>
+                    <a:pt x="125" y="0"/>
+                  </a:moveTo>
+                  <a:cubicBezTo>
+                    <a:pt x="85" y="22"/>
+                    <a:pt x="43" y="47"/>
+                    <a:pt x="0" y="74"/>
+                  </a:cubicBezTo>
+                </a:path>
+              </a:pathLst>
+            </a:custGeom>
+            <a:noFill/>
+            <a:ln w="9525" cap="flat" cmpd="sng">
+              <a:solidFill>
+                <a:schemeClr val="dk1">
+                  <a:alpha val="20000"/>
+                </a:schemeClr>
+              </a:solidFill>
+              <a:prstDash val="dash"/>
+              <a:miter lim="800000"/>
+              <a:headEnd type="none" w="sm" len="sm"/>
+              <a:tailEnd type="none" w="sm" len="sm"/>
+            </a:ln>
+          </p:spPr>
+          <p:txBody>
+            <a:bodyPr spcFirstLastPara="1" wrap="square" lIns="91425" tIns="45700" rIns="91425" bIns="45700" anchor="t" anchorCtr="0">
+              <a:noAutofit/>
+            </a:bodyPr>
+            <a:lstStyle/>
+            <a:p>
+              <a:pPr marL="0" marR="0" lvl="0" indent="0" algn="l" rtl="0">
+                <a:lnSpc>
+                  <a:spcPct val="100000"/>
+                </a:lnSpc>
+                <a:spcBef>
+                  <a:spcPts val="0"/>
+                </a:spcBef>
+                <a:spcAft>
+                  <a:spcPts val="0"/>
+                </a:spcAft>
+                <a:buClr>
+                  <a:schemeClr val="dk1"/>
+                </a:buClr>
+                <a:buSzPts val="1800"/>
+                <a:buFont typeface="Rockwell"/>
+                <a:buNone/>
+              </a:pPr>
+              <a:endParaRPr sz="1800" b="0" i="0" u="none" strike="noStrike" cap="none">
+                <a:solidFill>
+                  <a:srgbClr val="000000"/>
+                </a:solidFill>
+                <a:latin typeface="Rockwell"/>
+                <a:ea typeface="Rockwell"/>
+                <a:cs typeface="Rockwell"/>
+                <a:sym typeface="Rockwell"/>
+              </a:endParaRPr>
+            </a:p>
+          </p:txBody>
+        </p:sp>
+        <p:sp>
+          <p:nvSpPr>
+            <p:cNvPr id="581" name="Google Shape;581;p13"/>
+            <p:cNvSpPr/>
+            <p:nvPr/>
+          </p:nvSpPr>
+          <p:spPr>
+            <a:xfrm>
+              <a:off x="6012389" y="5579"/>
+              <a:ext cx="5497513" cy="6866337"/>
+            </a:xfrm>
+            <a:custGeom>
+              <a:avLst/>
+              <a:gdLst/>
+              <a:ahLst/>
+              <a:cxnLst/>
+              <a:rect l="l" t="t" r="r" b="b"/>
+              <a:pathLst>
+                <a:path w="1155" h="1440" extrusionOk="0">
+                  <a:moveTo>
+                    <a:pt x="1056" y="1440"/>
+                  </a:moveTo>
+                  <a:cubicBezTo>
+                    <a:pt x="1155" y="1123"/>
+                    <a:pt x="875" y="801"/>
+                    <a:pt x="686" y="580"/>
+                  </a:cubicBezTo>
+                  <a:cubicBezTo>
+                    <a:pt x="491" y="352"/>
+                    <a:pt x="264" y="145"/>
+                    <a:pt x="0" y="0"/>
+                  </a:cubicBezTo>
+                </a:path>
+              </a:pathLst>
+            </a:custGeom>
+            <a:noFill/>
+            <a:ln w="12700" cap="flat" cmpd="sng">
+              <a:solidFill>
+                <a:schemeClr val="dk1">
+                  <a:alpha val="20000"/>
+                </a:schemeClr>
+              </a:solidFill>
+              <a:prstDash val="dashDot"/>
+              <a:miter lim="800000"/>
+              <a:headEnd type="none" w="sm" len="sm"/>
+              <a:tailEnd type="none" w="sm" len="sm"/>
+            </a:ln>
+          </p:spPr>
+          <p:txBody>
+            <a:bodyPr spcFirstLastPara="1" wrap="square" lIns="91425" tIns="45700" rIns="91425" bIns="45700" anchor="t" anchorCtr="0">
+              <a:noAutofit/>
+            </a:bodyPr>
+            <a:lstStyle/>
+            <a:p>
+              <a:pPr marL="0" marR="0" lvl="0" indent="0" algn="l" rtl="0">
+                <a:lnSpc>
+                  <a:spcPct val="100000"/>
+                </a:lnSpc>
+                <a:spcBef>
+                  <a:spcPts val="0"/>
+                </a:spcBef>
+                <a:spcAft>
+                  <a:spcPts val="0"/>
+                </a:spcAft>
+                <a:buClr>
+                  <a:schemeClr val="dk1"/>
+                </a:buClr>
+                <a:buSzPts val="1800"/>
+                <a:buFont typeface="Rockwell"/>
+                <a:buNone/>
+              </a:pPr>
+              <a:endParaRPr sz="1800" b="0" i="0" u="none" strike="noStrike" cap="none">
+                <a:solidFill>
+                  <a:srgbClr val="000000"/>
+                </a:solidFill>
+                <a:latin typeface="Rockwell"/>
+                <a:ea typeface="Rockwell"/>
+                <a:cs typeface="Rockwell"/>
+                <a:sym typeface="Rockwell"/>
+              </a:endParaRPr>
+            </a:p>
+          </p:txBody>
+        </p:sp>
+        <p:sp>
+          <p:nvSpPr>
+            <p:cNvPr id="582" name="Google Shape;582;p13"/>
+            <p:cNvSpPr/>
+            <p:nvPr/>
+          </p:nvSpPr>
+          <p:spPr>
+            <a:xfrm>
+              <a:off x="-1061" y="5579"/>
+              <a:ext cx="357188" cy="213875"/>
+            </a:xfrm>
+            <a:custGeom>
+              <a:avLst/>
+              <a:gdLst/>
+              <a:ahLst/>
+              <a:cxnLst/>
+              <a:rect l="l" t="t" r="r" b="b"/>
+              <a:pathLst>
+                <a:path w="75" h="45" extrusionOk="0">
+                  <a:moveTo>
+                    <a:pt x="75" y="0"/>
+                  </a:moveTo>
+                  <a:cubicBezTo>
+                    <a:pt x="50" y="14"/>
+                    <a:pt x="25" y="29"/>
+                    <a:pt x="0" y="45"/>
+                  </a:cubicBezTo>
+                </a:path>
+              </a:pathLst>
+            </a:custGeom>
+            <a:noFill/>
+            <a:ln w="12700" cap="flat" cmpd="sng">
+              <a:solidFill>
+                <a:schemeClr val="dk1">
+                  <a:alpha val="20000"/>
+                </a:schemeClr>
+              </a:solidFill>
+              <a:prstDash val="dashDot"/>
+              <a:miter lim="800000"/>
+              <a:headEnd type="none" w="sm" len="sm"/>
+              <a:tailEnd type="none" w="sm" len="sm"/>
+            </a:ln>
+          </p:spPr>
+          <p:txBody>
+            <a:bodyPr spcFirstLastPara="1" wrap="square" lIns="91425" tIns="45700" rIns="91425" bIns="45700" anchor="t" anchorCtr="0">
+              <a:noAutofit/>
+            </a:bodyPr>
+            <a:lstStyle/>
+            <a:p>
+              <a:pPr marL="0" marR="0" lvl="0" indent="0" algn="l" rtl="0">
+                <a:lnSpc>
+                  <a:spcPct val="100000"/>
+                </a:lnSpc>
+                <a:spcBef>
+                  <a:spcPts val="0"/>
+                </a:spcBef>
+                <a:spcAft>
+                  <a:spcPts val="0"/>
+                </a:spcAft>
+                <a:buClr>
+                  <a:schemeClr val="dk1"/>
+                </a:buClr>
+                <a:buSzPts val="1800"/>
+                <a:buFont typeface="Rockwell"/>
+                <a:buNone/>
+              </a:pPr>
+              <a:endParaRPr sz="1800" b="0" i="0" u="none" strike="noStrike" cap="none">
+                <a:solidFill>
+                  <a:srgbClr val="000000"/>
+                </a:solidFill>
+                <a:latin typeface="Rockwell"/>
+                <a:ea typeface="Rockwell"/>
+                <a:cs typeface="Rockwell"/>
+                <a:sym typeface="Rockwell"/>
+              </a:endParaRPr>
+            </a:p>
+          </p:txBody>
+        </p:sp>
+        <p:sp>
+          <p:nvSpPr>
+            <p:cNvPr id="583" name="Google Shape;583;p13"/>
+            <p:cNvSpPr/>
+            <p:nvPr/>
+          </p:nvSpPr>
+          <p:spPr>
+            <a:xfrm>
+              <a:off x="6210826" y="790"/>
+              <a:ext cx="5522913" cy="6871126"/>
+            </a:xfrm>
+            <a:custGeom>
+              <a:avLst/>
+              <a:gdLst/>
+              <a:ahLst/>
+              <a:cxnLst/>
+              <a:rect l="l" t="t" r="r" b="b"/>
+              <a:pathLst>
+                <a:path w="1160" h="1441" extrusionOk="0">
+                  <a:moveTo>
+                    <a:pt x="1053" y="1441"/>
+                  </a:moveTo>
+                  <a:cubicBezTo>
+                    <a:pt x="1160" y="1129"/>
+                    <a:pt x="892" y="817"/>
+                    <a:pt x="705" y="599"/>
+                  </a:cubicBezTo>
+                  <a:cubicBezTo>
+                    <a:pt x="503" y="365"/>
+                    <a:pt x="270" y="152"/>
+                    <a:pt x="0" y="0"/>
+                  </a:cubicBezTo>
+                </a:path>
+              </a:pathLst>
+            </a:custGeom>
+            <a:noFill/>
+            <a:ln w="9525" cap="flat" cmpd="sng">
+              <a:solidFill>
+                <a:schemeClr val="dk1">
+                  <a:alpha val="20000"/>
+                </a:schemeClr>
+              </a:solidFill>
+              <a:prstDash val="solid"/>
+              <a:miter lim="800000"/>
+              <a:headEnd type="none" w="sm" len="sm"/>
+              <a:tailEnd type="none" w="sm" len="sm"/>
+            </a:ln>
+          </p:spPr>
+          <p:txBody>
+            <a:bodyPr spcFirstLastPara="1" wrap="square" lIns="91425" tIns="45700" rIns="91425" bIns="45700" anchor="t" anchorCtr="0">
+              <a:noAutofit/>
+            </a:bodyPr>
+            <a:lstStyle/>
+            <a:p>
+              <a:pPr marL="0" marR="0" lvl="0" indent="0" algn="l" rtl="0">
+                <a:lnSpc>
+                  <a:spcPct val="100000"/>
+                </a:lnSpc>
+                <a:spcBef>
+                  <a:spcPts val="0"/>
+                </a:spcBef>
+                <a:spcAft>
+                  <a:spcPts val="0"/>
+                </a:spcAft>
+                <a:buClr>
+                  <a:schemeClr val="dk1"/>
+                </a:buClr>
+                <a:buSzPts val="1800"/>
+                <a:buFont typeface="Rockwell"/>
+                <a:buNone/>
+              </a:pPr>
+              <a:endParaRPr sz="1800" b="0" i="0" u="none" strike="noStrike" cap="none">
+                <a:solidFill>
+                  <a:srgbClr val="000000"/>
+                </a:solidFill>
+                <a:latin typeface="Rockwell"/>
+                <a:ea typeface="Rockwell"/>
+                <a:cs typeface="Rockwell"/>
+                <a:sym typeface="Rockwell"/>
+              </a:endParaRPr>
+            </a:p>
+          </p:txBody>
+        </p:sp>
+        <p:sp>
+          <p:nvSpPr>
+            <p:cNvPr id="584" name="Google Shape;584;p13"/>
+            <p:cNvSpPr/>
+            <p:nvPr/>
+          </p:nvSpPr>
+          <p:spPr>
+            <a:xfrm>
+              <a:off x="6463239" y="5579"/>
+              <a:ext cx="5413375" cy="6866337"/>
+            </a:xfrm>
+            <a:custGeom>
+              <a:avLst/>
+              <a:gdLst/>
+              <a:ahLst/>
+              <a:cxnLst/>
+              <a:rect l="l" t="t" r="r" b="b"/>
+              <a:pathLst>
+                <a:path w="1137" h="1440" extrusionOk="0">
+                  <a:moveTo>
+                    <a:pt x="1040" y="1440"/>
+                  </a:moveTo>
+                  <a:cubicBezTo>
+                    <a:pt x="1137" y="1131"/>
+                    <a:pt x="883" y="828"/>
+                    <a:pt x="698" y="611"/>
+                  </a:cubicBezTo>
+                  <a:cubicBezTo>
+                    <a:pt x="498" y="375"/>
+                    <a:pt x="268" y="159"/>
+                    <a:pt x="0" y="0"/>
+                  </a:cubicBezTo>
+                </a:path>
+              </a:pathLst>
+            </a:custGeom>
+            <a:noFill/>
+            <a:ln w="9525" cap="flat" cmpd="sng">
+              <a:solidFill>
+                <a:schemeClr val="dk1">
+                  <a:alpha val="20000"/>
+                </a:schemeClr>
+              </a:solidFill>
+              <a:prstDash val="solid"/>
+              <a:miter lim="800000"/>
+              <a:headEnd type="none" w="sm" len="sm"/>
+              <a:tailEnd type="none" w="sm" len="sm"/>
+            </a:ln>
+          </p:spPr>
+          <p:txBody>
+            <a:bodyPr spcFirstLastPara="1" wrap="square" lIns="91425" tIns="45700" rIns="91425" bIns="45700" anchor="t" anchorCtr="0">
+              <a:noAutofit/>
+            </a:bodyPr>
+            <a:lstStyle/>
+            <a:p>
+              <a:pPr marL="0" marR="0" lvl="0" indent="0" algn="l" rtl="0">
+                <a:lnSpc>
+                  <a:spcPct val="100000"/>
+                </a:lnSpc>
+                <a:spcBef>
+                  <a:spcPts val="0"/>
+                </a:spcBef>
+                <a:spcAft>
+                  <a:spcPts val="0"/>
+                </a:spcAft>
+                <a:buClr>
+                  <a:schemeClr val="dk1"/>
+                </a:buClr>
+                <a:buSzPts val="1800"/>
+                <a:buFont typeface="Rockwell"/>
+                <a:buNone/>
+              </a:pPr>
+              <a:endParaRPr sz="1800" b="0" i="0" u="none" strike="noStrike" cap="none">
+                <a:solidFill>
+                  <a:srgbClr val="000000"/>
+                </a:solidFill>
+                <a:latin typeface="Rockwell"/>
+                <a:ea typeface="Rockwell"/>
+                <a:cs typeface="Rockwell"/>
+                <a:sym typeface="Rockwell"/>
+              </a:endParaRPr>
+            </a:p>
+          </p:txBody>
+        </p:sp>
+        <p:sp>
+          <p:nvSpPr>
+            <p:cNvPr id="585" name="Google Shape;585;p13"/>
+            <p:cNvSpPr/>
+            <p:nvPr/>
+          </p:nvSpPr>
+          <p:spPr>
+            <a:xfrm>
+              <a:off x="6877576" y="5579"/>
+              <a:ext cx="5037138" cy="6861550"/>
+            </a:xfrm>
+            <a:custGeom>
+              <a:avLst/>
+              <a:gdLst/>
+              <a:ahLst/>
+              <a:cxnLst/>
+              <a:rect l="l" t="t" r="r" b="b"/>
+              <a:pathLst>
+                <a:path w="1058" h="1439" extrusionOk="0">
+                  <a:moveTo>
+                    <a:pt x="1011" y="1439"/>
+                  </a:moveTo>
+                  <a:cubicBezTo>
+                    <a:pt x="1058" y="1131"/>
+                    <a:pt x="825" y="841"/>
+                    <a:pt x="648" y="617"/>
+                  </a:cubicBezTo>
+                  <a:cubicBezTo>
+                    <a:pt x="462" y="383"/>
+                    <a:pt x="248" y="168"/>
+                    <a:pt x="0" y="0"/>
+                  </a:cubicBezTo>
+                </a:path>
+              </a:pathLst>
+            </a:custGeom>
+            <a:noFill/>
+            <a:ln w="9525" cap="flat" cmpd="sng">
+              <a:solidFill>
+                <a:schemeClr val="dk1">
+                  <a:alpha val="20000"/>
+                </a:schemeClr>
+              </a:solidFill>
+              <a:prstDash val="solid"/>
+              <a:miter lim="800000"/>
+              <a:headEnd type="none" w="sm" len="sm"/>
+              <a:tailEnd type="none" w="sm" len="sm"/>
+            </a:ln>
+          </p:spPr>
+          <p:txBody>
+            <a:bodyPr spcFirstLastPara="1" wrap="square" lIns="91425" tIns="45700" rIns="91425" bIns="45700" anchor="t" anchorCtr="0">
+              <a:noAutofit/>
+            </a:bodyPr>
+            <a:lstStyle/>
+            <a:p>
+              <a:pPr marL="0" marR="0" lvl="0" indent="0" algn="l" rtl="0">
+                <a:lnSpc>
+                  <a:spcPct val="100000"/>
+                </a:lnSpc>
+                <a:spcBef>
+                  <a:spcPts val="0"/>
+                </a:spcBef>
+                <a:spcAft>
+                  <a:spcPts val="0"/>
+                </a:spcAft>
+                <a:buClr>
+                  <a:schemeClr val="dk1"/>
+                </a:buClr>
+                <a:buSzPts val="1800"/>
+                <a:buFont typeface="Rockwell"/>
+                <a:buNone/>
+              </a:pPr>
+              <a:endParaRPr sz="1800" b="0" i="0" u="none" strike="noStrike" cap="none">
+                <a:solidFill>
+                  <a:srgbClr val="000000"/>
+                </a:solidFill>
+                <a:latin typeface="Rockwell"/>
+                <a:ea typeface="Rockwell"/>
+                <a:cs typeface="Rockwell"/>
+                <a:sym typeface="Rockwell"/>
+              </a:endParaRPr>
+            </a:p>
+          </p:txBody>
+        </p:sp>
+        <p:sp>
+          <p:nvSpPr>
+            <p:cNvPr id="586" name="Google Shape;586;p13"/>
+            <p:cNvSpPr/>
+            <p:nvPr/>
+          </p:nvSpPr>
+          <p:spPr>
+            <a:xfrm>
+              <a:off x="8768289" y="5579"/>
+              <a:ext cx="3417888" cy="2742066"/>
+            </a:xfrm>
+            <a:custGeom>
+              <a:avLst/>
+              <a:gdLst/>
+              <a:ahLst/>
+              <a:cxnLst/>
+              <a:rect l="l" t="t" r="r" b="b"/>
+              <a:pathLst>
+                <a:path w="718" h="575" extrusionOk="0">
+                  <a:moveTo>
+                    <a:pt x="718" y="575"/>
+                  </a:moveTo>
+                  <a:cubicBezTo>
+                    <a:pt x="500" y="360"/>
+                    <a:pt x="260" y="163"/>
+                    <a:pt x="0" y="0"/>
+                  </a:cubicBezTo>
+                </a:path>
+              </a:pathLst>
+            </a:custGeom>
+            <a:noFill/>
+            <a:ln w="9525" cap="flat" cmpd="sng">
+              <a:solidFill>
+                <a:schemeClr val="dk1">
+                  <a:alpha val="20000"/>
+                </a:schemeClr>
+              </a:solidFill>
+              <a:prstDash val="solid"/>
+              <a:miter lim="800000"/>
+              <a:headEnd type="none" w="sm" len="sm"/>
+              <a:tailEnd type="none" w="sm" len="sm"/>
+            </a:ln>
+          </p:spPr>
+          <p:txBody>
+            <a:bodyPr spcFirstLastPara="1" wrap="square" lIns="91425" tIns="45700" rIns="91425" bIns="45700" anchor="t" anchorCtr="0">
+              <a:noAutofit/>
+            </a:bodyPr>
+            <a:lstStyle/>
+            <a:p>
+              <a:pPr marL="0" marR="0" lvl="0" indent="0" algn="l" rtl="0">
+                <a:lnSpc>
+                  <a:spcPct val="100000"/>
+                </a:lnSpc>
+                <a:spcBef>
+                  <a:spcPts val="0"/>
+                </a:spcBef>
+                <a:spcAft>
+                  <a:spcPts val="0"/>
+                </a:spcAft>
+                <a:buClr>
+                  <a:schemeClr val="dk1"/>
+                </a:buClr>
+                <a:buSzPts val="1800"/>
+                <a:buFont typeface="Rockwell"/>
+                <a:buNone/>
+              </a:pPr>
+              <a:endParaRPr sz="1800" b="0" i="0" u="none" strike="noStrike" cap="none">
+                <a:solidFill>
+                  <a:srgbClr val="000000"/>
+                </a:solidFill>
+                <a:latin typeface="Rockwell"/>
+                <a:ea typeface="Rockwell"/>
+                <a:cs typeface="Rockwell"/>
+                <a:sym typeface="Rockwell"/>
+              </a:endParaRPr>
+            </a:p>
+          </p:txBody>
+        </p:sp>
+        <p:sp>
+          <p:nvSpPr>
+            <p:cNvPr id="587" name="Google Shape;587;p13"/>
+            <p:cNvSpPr/>
+            <p:nvPr/>
+          </p:nvSpPr>
+          <p:spPr>
+            <a:xfrm>
+              <a:off x="9235014" y="10367"/>
+              <a:ext cx="2951163" cy="2555325"/>
+            </a:xfrm>
+            <a:custGeom>
+              <a:avLst/>
+              <a:gdLst/>
+              <a:ahLst/>
+              <a:cxnLst/>
+              <a:rect l="l" t="t" r="r" b="b"/>
+              <a:pathLst>
+                <a:path w="620" h="536" extrusionOk="0">
+                  <a:moveTo>
+                    <a:pt x="620" y="536"/>
+                  </a:moveTo>
+                  <a:cubicBezTo>
+                    <a:pt x="404" y="314"/>
+                    <a:pt x="196" y="138"/>
+                    <a:pt x="0" y="0"/>
+                  </a:cubicBezTo>
+                </a:path>
+              </a:pathLst>
+            </a:custGeom>
+            <a:noFill/>
+            <a:ln w="9525" cap="flat" cmpd="sng">
+              <a:solidFill>
+                <a:schemeClr val="dk1">
+                  <a:alpha val="20000"/>
+                </a:schemeClr>
+              </a:solidFill>
+              <a:prstDash val="solid"/>
+              <a:miter lim="800000"/>
+              <a:headEnd type="none" w="sm" len="sm"/>
+              <a:tailEnd type="none" w="sm" len="sm"/>
+            </a:ln>
+          </p:spPr>
+          <p:txBody>
+            <a:bodyPr spcFirstLastPara="1" wrap="square" lIns="91425" tIns="45700" rIns="91425" bIns="45700" anchor="t" anchorCtr="0">
+              <a:noAutofit/>
+            </a:bodyPr>
+            <a:lstStyle/>
+            <a:p>
+              <a:pPr marL="0" marR="0" lvl="0" indent="0" algn="l" rtl="0">
+                <a:lnSpc>
+                  <a:spcPct val="100000"/>
+                </a:lnSpc>
+                <a:spcBef>
+                  <a:spcPts val="0"/>
+                </a:spcBef>
+                <a:spcAft>
+                  <a:spcPts val="0"/>
+                </a:spcAft>
+                <a:buClr>
+                  <a:schemeClr val="dk1"/>
+                </a:buClr>
+                <a:buSzPts val="1800"/>
+                <a:buFont typeface="Rockwell"/>
+                <a:buNone/>
+              </a:pPr>
+              <a:endParaRPr sz="1800" b="0" i="0" u="none" strike="noStrike" cap="none">
+                <a:solidFill>
+                  <a:srgbClr val="000000"/>
+                </a:solidFill>
+                <a:latin typeface="Rockwell"/>
+                <a:ea typeface="Rockwell"/>
+                <a:cs typeface="Rockwell"/>
+                <a:sym typeface="Rockwell"/>
+              </a:endParaRPr>
+            </a:p>
+          </p:txBody>
+        </p:sp>
+        <p:sp>
+          <p:nvSpPr>
+            <p:cNvPr id="588" name="Google Shape;588;p13"/>
+            <p:cNvSpPr/>
+            <p:nvPr/>
+          </p:nvSpPr>
+          <p:spPr>
+            <a:xfrm>
+              <a:off x="10020826" y="5579"/>
+              <a:ext cx="2165350" cy="1358265"/>
+            </a:xfrm>
+            <a:custGeom>
+              <a:avLst/>
+              <a:gdLst/>
+              <a:ahLst/>
+              <a:cxnLst/>
+              <a:rect l="l" t="t" r="r" b="b"/>
+              <a:pathLst>
+                <a:path w="455" h="285" extrusionOk="0">
+                  <a:moveTo>
+                    <a:pt x="0" y="0"/>
+                  </a:moveTo>
+                  <a:cubicBezTo>
+                    <a:pt x="153" y="85"/>
+                    <a:pt x="308" y="180"/>
+                    <a:pt x="455" y="285"/>
+                  </a:cubicBezTo>
+                </a:path>
+              </a:pathLst>
+            </a:custGeom>
+            <a:noFill/>
+            <a:ln w="9525" cap="flat" cmpd="sng">
+              <a:solidFill>
+                <a:schemeClr val="dk1">
+                  <a:alpha val="20000"/>
+                </a:schemeClr>
+              </a:solidFill>
+              <a:prstDash val="dash"/>
+              <a:miter lim="800000"/>
+              <a:headEnd type="none" w="sm" len="sm"/>
+              <a:tailEnd type="none" w="sm" len="sm"/>
+            </a:ln>
+          </p:spPr>
+          <p:txBody>
+            <a:bodyPr spcFirstLastPara="1" wrap="square" lIns="91425" tIns="45700" rIns="91425" bIns="45700" anchor="t" anchorCtr="0">
+              <a:noAutofit/>
+            </a:bodyPr>
+            <a:lstStyle/>
+            <a:p>
+              <a:pPr marL="0" marR="0" lvl="0" indent="0" algn="l" rtl="0">
+                <a:lnSpc>
+                  <a:spcPct val="100000"/>
+                </a:lnSpc>
+                <a:spcBef>
+                  <a:spcPts val="0"/>
+                </a:spcBef>
+                <a:spcAft>
+                  <a:spcPts val="0"/>
+                </a:spcAft>
+                <a:buClr>
+                  <a:schemeClr val="dk1"/>
+                </a:buClr>
+                <a:buSzPts val="1800"/>
+                <a:buFont typeface="Rockwell"/>
+                <a:buNone/>
+              </a:pPr>
+              <a:endParaRPr sz="1800" b="0" i="0" u="none" strike="noStrike" cap="none">
+                <a:solidFill>
+                  <a:srgbClr val="000000"/>
+                </a:solidFill>
+                <a:latin typeface="Rockwell"/>
+                <a:ea typeface="Rockwell"/>
+                <a:cs typeface="Rockwell"/>
+                <a:sym typeface="Rockwell"/>
+              </a:endParaRPr>
+            </a:p>
+          </p:txBody>
+        </p:sp>
+        <p:sp>
+          <p:nvSpPr>
+            <p:cNvPr id="589" name="Google Shape;589;p13"/>
+            <p:cNvSpPr/>
+            <p:nvPr/>
+          </p:nvSpPr>
+          <p:spPr>
+            <a:xfrm>
+              <a:off x="11290826" y="5579"/>
+              <a:ext cx="895350" cy="534687"/>
+            </a:xfrm>
+            <a:custGeom>
+              <a:avLst/>
+              <a:gdLst/>
+              <a:ahLst/>
+              <a:cxnLst/>
+              <a:rect l="l" t="t" r="r" b="b"/>
+              <a:pathLst>
+                <a:path w="188" h="112" extrusionOk="0">
+                  <a:moveTo>
+                    <a:pt x="0" y="0"/>
+                  </a:moveTo>
+                  <a:cubicBezTo>
+                    <a:pt x="63" y="36"/>
+                    <a:pt x="126" y="73"/>
+                    <a:pt x="188" y="112"/>
+                  </a:cubicBezTo>
+                </a:path>
+              </a:pathLst>
+            </a:custGeom>
+            <a:noFill/>
+            <a:ln w="9525" cap="flat" cmpd="sng">
+              <a:solidFill>
+                <a:schemeClr val="dk1">
+                  <a:alpha val="20000"/>
+                </a:schemeClr>
+              </a:solidFill>
+              <a:prstDash val="solid"/>
+              <a:miter lim="800000"/>
+              <a:headEnd type="none" w="sm" len="sm"/>
+              <a:tailEnd type="none" w="sm" len="sm"/>
+            </a:ln>
+          </p:spPr>
+          <p:txBody>
+            <a:bodyPr spcFirstLastPara="1" wrap="square" lIns="91425" tIns="45700" rIns="91425" bIns="45700" anchor="t" anchorCtr="0">
+              <a:noAutofit/>
+            </a:bodyPr>
+            <a:lstStyle/>
+            <a:p>
+              <a:pPr marL="0" marR="0" lvl="0" indent="0" algn="l" rtl="0">
+                <a:lnSpc>
+                  <a:spcPct val="100000"/>
+                </a:lnSpc>
+                <a:spcBef>
+                  <a:spcPts val="0"/>
+                </a:spcBef>
+                <a:spcAft>
+                  <a:spcPts val="0"/>
+                </a:spcAft>
+                <a:buClr>
+                  <a:schemeClr val="dk1"/>
+                </a:buClr>
+                <a:buSzPts val="1800"/>
+                <a:buFont typeface="Rockwell"/>
+                <a:buNone/>
+              </a:pPr>
+              <a:endParaRPr sz="1800" b="0" i="0" u="none" strike="noStrike" cap="none">
+                <a:solidFill>
+                  <a:srgbClr val="000000"/>
+                </a:solidFill>
+                <a:latin typeface="Rockwell"/>
+                <a:ea typeface="Rockwell"/>
+                <a:cs typeface="Rockwell"/>
+                <a:sym typeface="Rockwell"/>
+              </a:endParaRPr>
+            </a:p>
+          </p:txBody>
+        </p:sp>
+      </p:grpSp>
+      <p:grpSp>
+        <p:nvGrpSpPr>
+          <p:cNvPr id="590" name="Google Shape;590;p13"/>
+          <p:cNvGrpSpPr/>
+          <p:nvPr/>
+        </p:nvGrpSpPr>
+        <p:grpSpPr>
+          <a:xfrm>
+            <a:off x="807084" y="1186483"/>
+            <a:ext cx="3822597" cy="4477933"/>
+            <a:chOff x="807084" y="1186483"/>
+            <a:chExt cx="3822597" cy="4477933"/>
+          </a:xfrm>
+        </p:grpSpPr>
+        <p:sp>
+          <p:nvSpPr>
+            <p:cNvPr id="591" name="Google Shape;591;p13"/>
+            <p:cNvSpPr/>
+            <p:nvPr/>
+          </p:nvSpPr>
+          <p:spPr>
+            <a:xfrm>
+              <a:off x="807531" y="1186483"/>
+              <a:ext cx="3821702" cy="716184"/>
+            </a:xfrm>
+            <a:prstGeom prst="rect">
+              <a:avLst/>
+            </a:prstGeom>
+            <a:solidFill>
+              <a:schemeClr val="accent1"/>
+            </a:solidFill>
+            <a:ln>
+              <a:noFill/>
+            </a:ln>
+          </p:spPr>
+          <p:txBody>
+            <a:bodyPr spcFirstLastPara="1" wrap="square" lIns="91425" tIns="45700" rIns="91425" bIns="45700" anchor="ctr" anchorCtr="0">
+              <a:noAutofit/>
+            </a:bodyPr>
+            <a:lstStyle/>
+            <a:p>
+              <a:pPr marL="0" marR="0" lvl="0" indent="0" algn="ctr" rtl="0">
+                <a:lnSpc>
+                  <a:spcPct val="100000"/>
+                </a:lnSpc>
+                <a:spcBef>
+                  <a:spcPts val="0"/>
+                </a:spcBef>
+                <a:spcAft>
+                  <a:spcPts val="0"/>
+                </a:spcAft>
+                <a:buClr>
+                  <a:schemeClr val="lt1"/>
+                </a:buClr>
+                <a:buSzPts val="1800"/>
+                <a:buFont typeface="Rockwell"/>
+                <a:buNone/>
+              </a:pPr>
+              <a:endParaRPr sz="1800" b="0" i="0" u="none" strike="noStrike" cap="none">
+                <a:solidFill>
+                  <a:srgbClr val="FFFFFF"/>
+                </a:solidFill>
+                <a:latin typeface="Rockwell"/>
+                <a:ea typeface="Rockwell"/>
+                <a:cs typeface="Rockwell"/>
+                <a:sym typeface="Rockwell"/>
+              </a:endParaRPr>
+            </a:p>
+          </p:txBody>
+        </p:sp>
+        <p:sp>
+          <p:nvSpPr>
+            <p:cNvPr id="592" name="Google Shape;592;p13"/>
+            <p:cNvSpPr/>
+            <p:nvPr/>
+          </p:nvSpPr>
+          <p:spPr>
+            <a:xfrm rot="10800000">
+              <a:off x="2514766" y="5313353"/>
+              <a:ext cx="407233" cy="351063"/>
+            </a:xfrm>
+            <a:prstGeom prst="triangle">
+              <a:avLst>
+                <a:gd name="adj" fmla="val 50000"/>
+              </a:avLst>
+            </a:prstGeom>
+            <a:solidFill>
+              <a:schemeClr val="accent1"/>
+            </a:solidFill>
+            <a:ln>
+              <a:noFill/>
+            </a:ln>
+          </p:spPr>
+          <p:txBody>
+            <a:bodyPr spcFirstLastPara="1" wrap="square" lIns="91425" tIns="45700" rIns="91425" bIns="45700" anchor="ctr" anchorCtr="0">
+              <a:noAutofit/>
+            </a:bodyPr>
+            <a:lstStyle/>
+            <a:p>
+              <a:pPr marL="0" marR="0" lvl="0" indent="0" algn="ctr" rtl="0">
+                <a:lnSpc>
+                  <a:spcPct val="100000"/>
+                </a:lnSpc>
+                <a:spcBef>
+                  <a:spcPts val="0"/>
+                </a:spcBef>
+                <a:spcAft>
+                  <a:spcPts val="0"/>
+                </a:spcAft>
+                <a:buClr>
+                  <a:schemeClr val="lt1"/>
+                </a:buClr>
+                <a:buSzPts val="1800"/>
+                <a:buFont typeface="Rockwell"/>
+                <a:buNone/>
+              </a:pPr>
+              <a:endParaRPr sz="1800" b="0" i="0" u="none" strike="noStrike" cap="none">
+                <a:solidFill>
+                  <a:srgbClr val="FFFFFF"/>
+                </a:solidFill>
+                <a:latin typeface="Rockwell"/>
+                <a:ea typeface="Rockwell"/>
+                <a:cs typeface="Rockwell"/>
+                <a:sym typeface="Rockwell"/>
+              </a:endParaRPr>
+            </a:p>
+          </p:txBody>
+        </p:sp>
+        <p:sp>
+          <p:nvSpPr>
+            <p:cNvPr id="593" name="Google Shape;593;p13"/>
+            <p:cNvSpPr/>
+            <p:nvPr/>
+          </p:nvSpPr>
+          <p:spPr>
+            <a:xfrm>
+              <a:off x="807084" y="1991156"/>
+              <a:ext cx="3822597" cy="3322196"/>
+            </a:xfrm>
+            <a:prstGeom prst="rect">
+              <a:avLst/>
+            </a:prstGeom>
+            <a:solidFill>
+              <a:schemeClr val="accent1"/>
+            </a:solidFill>
+            <a:ln>
+              <a:noFill/>
+            </a:ln>
+          </p:spPr>
+          <p:txBody>
+            <a:bodyPr spcFirstLastPara="1" wrap="square" lIns="91425" tIns="45700" rIns="91425" bIns="45700" anchor="ctr" anchorCtr="0">
+              <a:noAutofit/>
+            </a:bodyPr>
+            <a:lstStyle/>
+            <a:p>
+              <a:pPr marL="0" marR="0" lvl="0" indent="0" algn="ctr" rtl="0">
+                <a:lnSpc>
+                  <a:spcPct val="100000"/>
+                </a:lnSpc>
+                <a:spcBef>
+                  <a:spcPts val="0"/>
+                </a:spcBef>
+                <a:spcAft>
+                  <a:spcPts val="0"/>
+                </a:spcAft>
+                <a:buClr>
+                  <a:schemeClr val="lt1"/>
+                </a:buClr>
+                <a:buSzPts val="1800"/>
+                <a:buFont typeface="Rockwell"/>
+                <a:buNone/>
+              </a:pPr>
+              <a:endParaRPr sz="1800" b="0" i="0" u="none" strike="noStrike" cap="none">
+                <a:solidFill>
+                  <a:srgbClr val="FFFFFF"/>
+                </a:solidFill>
+                <a:latin typeface="Rockwell"/>
+                <a:ea typeface="Rockwell"/>
+                <a:cs typeface="Rockwell"/>
+                <a:sym typeface="Rockwell"/>
+              </a:endParaRPr>
+            </a:p>
+          </p:txBody>
+        </p:sp>
+      </p:grpSp>
+      <p:sp>
+        <p:nvSpPr>
+          <p:cNvPr id="594" name="Google Shape;594;p13"/>
+          <p:cNvSpPr txBox="1">
+            <a:spLocks noGrp="1"/>
+          </p:cNvSpPr>
+          <p:nvPr>
+            <p:ph type="title"/>
+          </p:nvPr>
+        </p:nvSpPr>
+        <p:spPr>
+          <a:xfrm>
+            <a:off x="855179" y="3025630"/>
+            <a:ext cx="3654569" cy="2042725"/>
+          </a:xfrm>
+          <a:prstGeom prst="rect">
+            <a:avLst/>
+          </a:prstGeom>
+          <a:noFill/>
+          <a:ln>
+            <a:noFill/>
+          </a:ln>
+        </p:spPr>
+        <p:txBody>
+          <a:bodyPr spcFirstLastPara="1" wrap="square" lIns="228600" tIns="228600" rIns="228600" bIns="0" anchor="b" anchorCtr="0">
+            <a:normAutofit fontScale="90000"/>
+          </a:bodyPr>
+          <a:lstStyle/>
+          <a:p>
+            <a:pPr marL="0" marR="0" lvl="0" indent="0" algn="ctr" rtl="0">
+              <a:lnSpc>
+                <a:spcPct val="80000"/>
+              </a:lnSpc>
+              <a:spcBef>
+                <a:spcPts val="0"/>
+              </a:spcBef>
+              <a:spcAft>
+                <a:spcPts val="0"/>
+              </a:spcAft>
+              <a:buClr>
+                <a:srgbClr val="FFFEFF"/>
+              </a:buClr>
+              <a:buSzPct val="100000"/>
+              <a:buFont typeface="Calibri"/>
+              <a:buNone/>
+            </a:pPr>
+            <a:r>
+              <a:rPr lang="no-NO" sz="5300" u="none" strike="noStrike" dirty="0"/>
+              <a:t>Pause </a:t>
+            </a:r>
+            <a:endParaRPr dirty="0"/>
+          </a:p>
+          <a:p>
+            <a:pPr marL="0" marR="0" lvl="0" indent="0" algn="ctr" rtl="0">
+              <a:lnSpc>
+                <a:spcPct val="80000"/>
+              </a:lnSpc>
+              <a:spcBef>
+                <a:spcPts val="0"/>
+              </a:spcBef>
+              <a:spcAft>
+                <a:spcPts val="0"/>
+              </a:spcAft>
+              <a:buClr>
+                <a:srgbClr val="FFFEFF"/>
+              </a:buClr>
+              <a:buSzPct val="100000"/>
+              <a:buFont typeface="Calibri"/>
+              <a:buNone/>
+            </a:pPr>
+            <a:br>
+              <a:rPr lang="no-NO" sz="1400" u="none" strike="noStrike" dirty="0"/>
+            </a:br>
+            <a:endParaRPr sz="1400" u="none" strike="noStrike" dirty="0"/>
+          </a:p>
+          <a:p>
+            <a:pPr marL="0" marR="0" lvl="0" indent="0" algn="ctr" rtl="0">
+              <a:lnSpc>
+                <a:spcPct val="80000"/>
+              </a:lnSpc>
+              <a:spcBef>
+                <a:spcPts val="0"/>
+              </a:spcBef>
+              <a:spcAft>
+                <a:spcPts val="0"/>
+              </a:spcAft>
+              <a:buClr>
+                <a:srgbClr val="FFFEFF"/>
+              </a:buClr>
+              <a:buSzPct val="100000"/>
+              <a:buFont typeface="Calibri"/>
+              <a:buNone/>
+            </a:pPr>
+            <a:r>
+              <a:rPr lang="no-NO" sz="3100" u="none" strike="noStrike" dirty="0"/>
+              <a:t>Gruppe </a:t>
+            </a:r>
+            <a:r>
+              <a:rPr lang="no-NO" sz="3100" dirty="0"/>
+              <a:t>6</a:t>
+            </a:r>
+            <a:endParaRPr sz="3100" u="none" strike="noStrike" dirty="0"/>
+          </a:p>
+          <a:p>
+            <a:pPr marL="0" marR="0" lvl="0" indent="0" algn="ctr" rtl="0">
+              <a:lnSpc>
+                <a:spcPct val="80000"/>
+              </a:lnSpc>
+              <a:spcBef>
+                <a:spcPts val="0"/>
+              </a:spcBef>
+              <a:spcAft>
+                <a:spcPts val="0"/>
+              </a:spcAft>
+              <a:buClr>
+                <a:srgbClr val="FFFEFF"/>
+              </a:buClr>
+              <a:buSzPct val="100000"/>
+              <a:buFont typeface="Calibri"/>
+              <a:buNone/>
+            </a:pPr>
+            <a:r>
+              <a:rPr lang="no-NO" sz="1400" u="none" strike="noStrike" dirty="0"/>
+              <a:t>       </a:t>
+            </a:r>
+            <a:br>
+              <a:rPr lang="no-NO" sz="1400" u="none" strike="noStrike" dirty="0"/>
+            </a:br>
+            <a:endParaRPr sz="1400" u="none" strike="noStrike" dirty="0"/>
+          </a:p>
+          <a:p>
+            <a:pPr marL="0" marR="0" lvl="0" indent="0" algn="ctr" rtl="0">
+              <a:lnSpc>
+                <a:spcPct val="80000"/>
+              </a:lnSpc>
+              <a:spcBef>
+                <a:spcPts val="0"/>
+              </a:spcBef>
+              <a:spcAft>
+                <a:spcPts val="0"/>
+              </a:spcAft>
+              <a:buClr>
+                <a:srgbClr val="FFFEFF"/>
+              </a:buClr>
+              <a:buSzPct val="100000"/>
+              <a:buFont typeface="Calibri"/>
+              <a:buNone/>
+            </a:pPr>
+            <a:r>
+              <a:rPr lang="no-NO" sz="2200" u="none" strike="noStrike" dirty="0"/>
+              <a:t>Husk å registrere oppmøte :)</a:t>
+            </a:r>
+            <a:endParaRPr dirty="0"/>
+          </a:p>
+          <a:p>
+            <a:pPr marL="0" marR="0" lvl="0" indent="0" algn="ctr" rtl="0">
+              <a:lnSpc>
+                <a:spcPct val="80000"/>
+              </a:lnSpc>
+              <a:spcBef>
+                <a:spcPts val="0"/>
+              </a:spcBef>
+              <a:spcAft>
+                <a:spcPts val="0"/>
+              </a:spcAft>
+              <a:buClr>
+                <a:srgbClr val="FFFEFF"/>
+              </a:buClr>
+              <a:buSzPct val="100000"/>
+              <a:buFont typeface="Calibri"/>
+              <a:buNone/>
+            </a:pPr>
+            <a:endParaRPr sz="1400" u="none" strike="noStrike" dirty="0"/>
+          </a:p>
+          <a:p>
+            <a:pPr marL="0" marR="0" lvl="0" indent="0" algn="ctr" rtl="0">
+              <a:lnSpc>
+                <a:spcPct val="80000"/>
+              </a:lnSpc>
+              <a:spcBef>
+                <a:spcPts val="0"/>
+              </a:spcBef>
+              <a:spcAft>
+                <a:spcPts val="0"/>
+              </a:spcAft>
+              <a:buClr>
+                <a:srgbClr val="FFFEFF"/>
+              </a:buClr>
+              <a:buSzPct val="100000"/>
+              <a:buFont typeface="Calibri"/>
+              <a:buNone/>
+            </a:pPr>
+            <a:br>
+              <a:rPr lang="no-NO" sz="1400" u="none" strike="noStrike" dirty="0"/>
+            </a:br>
+            <a:endParaRPr sz="1400" u="none" strike="noStrike" dirty="0"/>
+          </a:p>
+          <a:p>
+            <a:pPr marL="0" marR="0" lvl="0" indent="0" algn="ctr" rtl="0">
+              <a:lnSpc>
+                <a:spcPct val="80000"/>
+              </a:lnSpc>
+              <a:spcBef>
+                <a:spcPts val="0"/>
+              </a:spcBef>
+              <a:spcAft>
+                <a:spcPts val="0"/>
+              </a:spcAft>
+              <a:buClr>
+                <a:srgbClr val="FFFEFF"/>
+              </a:buClr>
+              <a:buSzPct val="100000"/>
+              <a:buFont typeface="Calibri"/>
+              <a:buNone/>
+            </a:pPr>
+            <a:r>
+              <a:rPr lang="no-NO" sz="1800" u="none" strike="noStrike" dirty="0"/>
+              <a:t>https://nettskjema.no/a/in1000gruppetime</a:t>
+            </a:r>
+            <a:endParaRPr dirty="0"/>
+          </a:p>
+          <a:p>
+            <a:pPr marL="0" marR="0" lvl="0" indent="0" algn="ctr" rtl="0">
+              <a:lnSpc>
+                <a:spcPct val="80000"/>
+              </a:lnSpc>
+              <a:spcBef>
+                <a:spcPts val="0"/>
+              </a:spcBef>
+              <a:spcAft>
+                <a:spcPts val="0"/>
+              </a:spcAft>
+              <a:buClr>
+                <a:srgbClr val="FFFEFF"/>
+              </a:buClr>
+              <a:buSzPct val="100000"/>
+              <a:buFont typeface="Calibri"/>
+              <a:buNone/>
+            </a:pPr>
+            <a:br>
+              <a:rPr lang="no-NO" sz="1400" u="none" strike="noStrike" dirty="0"/>
+            </a:br>
+            <a:endParaRPr sz="1400" u="none" strike="noStrike" dirty="0"/>
+          </a:p>
+        </p:txBody>
+      </p:sp>
+      <p:sp>
+        <p:nvSpPr>
+          <p:cNvPr id="595" name="Google Shape;595;p13"/>
+          <p:cNvSpPr/>
+          <p:nvPr/>
+        </p:nvSpPr>
+        <p:spPr>
+          <a:xfrm>
+            <a:off x="5440150" y="-6706"/>
+            <a:ext cx="6751849" cy="6871125"/>
+          </a:xfrm>
+          <a:prstGeom prst="rect">
+            <a:avLst/>
+          </a:prstGeom>
+          <a:solidFill>
+            <a:schemeClr val="lt1"/>
+          </a:solidFill>
+          <a:ln w="9525" cap="flat" cmpd="sng">
+            <a:solidFill>
+              <a:schemeClr val="dk1">
+                <a:alpha val="20000"/>
+              </a:schemeClr>
+            </a:solidFill>
+            <a:prstDash val="solid"/>
+            <a:round/>
+            <a:headEnd type="none" w="sm" len="sm"/>
+            <a:tailEnd type="none" w="sm" len="sm"/>
+          </a:ln>
+        </p:spPr>
+        <p:txBody>
+          <a:bodyPr spcFirstLastPara="1" wrap="square" lIns="91425" tIns="45700" rIns="91425" bIns="45700" anchor="ctr" anchorCtr="0">
+            <a:noAutofit/>
+          </a:bodyPr>
+          <a:lstStyle/>
+          <a:p>
+            <a:pPr marL="0" marR="0" lvl="0" indent="0" algn="ctr" rtl="0">
+              <a:lnSpc>
+                <a:spcPct val="100000"/>
+              </a:lnSpc>
+              <a:spcBef>
+                <a:spcPts val="0"/>
+              </a:spcBef>
+              <a:spcAft>
+                <a:spcPts val="0"/>
+              </a:spcAft>
+              <a:buClr>
+                <a:schemeClr val="lt1"/>
+              </a:buClr>
+              <a:buSzPts val="1800"/>
+              <a:buFont typeface="Rockwell"/>
+              <a:buNone/>
+            </a:pPr>
+            <a:endParaRPr sz="1800" b="0" i="0" u="none" strike="noStrike" cap="none">
+              <a:solidFill>
+                <a:srgbClr val="FFFFFF"/>
+              </a:solidFill>
+              <a:latin typeface="Rockwell"/>
+              <a:ea typeface="Rockwell"/>
+              <a:cs typeface="Rockwell"/>
+              <a:sym typeface="Rockwell"/>
+            </a:endParaRPr>
+          </a:p>
+        </p:txBody>
+      </p:sp>
+      <p:pic>
+        <p:nvPicPr>
+          <p:cNvPr id="596" name="Google Shape;596;p13"/>
+          <p:cNvPicPr preferRelativeResize="0">
+            <a:picLocks noGrp="1"/>
+          </p:cNvPicPr>
+          <p:nvPr>
+            <p:ph type="body" idx="1"/>
+          </p:nvPr>
+        </p:nvPicPr>
+        <p:blipFill rotWithShape="1">
+          <a:blip r:embed="rId3">
+            <a:alphaModFix/>
+          </a:blip>
+          <a:srcRect/>
+          <a:stretch/>
+        </p:blipFill>
+        <p:spPr>
+          <a:xfrm>
+            <a:off x="6580061" y="942167"/>
+            <a:ext cx="4575957" cy="4575957"/>
+          </a:xfrm>
+          <a:prstGeom prst="rect">
+            <a:avLst/>
+          </a:prstGeom>
+          <a:noFill/>
+          <a:ln>
+            <a:noFill/>
+          </a:ln>
+        </p:spPr>
+      </p:pic>
+    </p:spTree>
+  </p:cSld>
+  <p:clrMapOvr>
+    <a:masterClrMapping/>
+  </p:clrMapOvr>
+</p:sld>
+</file>
+
 <file path=ppt/theme/theme1.xml><?xml version="1.0" encoding="utf-8"?>
 <a:theme xmlns:a="http://schemas.openxmlformats.org/drawingml/2006/main" name="Office Theme">
   <a:themeElements>
@@ -4081,4 +8566,319 @@
     </a:ext>
   </a:extLst>
 </a:theme>
+</file>
+
+<file path=ppt/theme/theme2.xml><?xml version="1.0" encoding="utf-8"?>
+<a:theme xmlns:a="http://schemas.openxmlformats.org/drawingml/2006/main" name="Office Theme">
+  <a:themeElements>
+    <a:clrScheme name="Office">
+      <a:dk1>
+        <a:sysClr val="windowText" lastClr="000000"/>
+      </a:dk1>
+      <a:lt1>
+        <a:sysClr val="window" lastClr="FFFFFF"/>
+      </a:lt1>
+      <a:dk2>
+        <a:srgbClr val="0E2841"/>
+      </a:dk2>
+      <a:lt2>
+        <a:srgbClr val="E8E8E8"/>
+      </a:lt2>
+      <a:accent1>
+        <a:srgbClr val="156082"/>
+      </a:accent1>
+      <a:accent2>
+        <a:srgbClr val="E97132"/>
+      </a:accent2>
+      <a:accent3>
+        <a:srgbClr val="196B24"/>
+      </a:accent3>
+      <a:accent4>
+        <a:srgbClr val="0F9ED5"/>
+      </a:accent4>
+      <a:accent5>
+        <a:srgbClr val="A02B93"/>
+      </a:accent5>
+      <a:accent6>
+        <a:srgbClr val="4EA72E"/>
+      </a:accent6>
+      <a:hlink>
+        <a:srgbClr val="467886"/>
+      </a:hlink>
+      <a:folHlink>
+        <a:srgbClr val="96607D"/>
+      </a:folHlink>
+    </a:clrScheme>
+    <a:fontScheme name="Office">
+      <a:majorFont>
+        <a:latin typeface="Aptos Display" panose="02110004020202020204"/>
+        <a:ea typeface=""/>
+        <a:cs typeface=""/>
+        <a:font script="Jpan" typeface="游ゴシック Light"/>
+        <a:font script="Hang" typeface="맑은 고딕"/>
+        <a:font script="Hans" typeface="等线 Light"/>
+        <a:font script="Hant" typeface="新細明體"/>
+        <a:font script="Arab" typeface="Times New Roman"/>
+        <a:font script="Hebr" typeface="Times New Roman"/>
+        <a:font script="Thai" typeface="Angsana New"/>
+        <a:font script="Ethi" typeface="Nyala"/>
+        <a:font script="Beng" typeface="Vrinda"/>
+        <a:font script="Gujr" typeface="Shruti"/>
+        <a:font script="Khmr" typeface="MoolBoran"/>
+        <a:font script="Knda" typeface="Tunga"/>
+        <a:font script="Guru" typeface="Raavi"/>
+        <a:font script="Cans" typeface="Euphemia"/>
+        <a:font script="Cher" typeface="Plantagenet Cherokee"/>
+        <a:font script="Yiii" typeface="Microsoft Yi Baiti"/>
+        <a:font script="Tibt" typeface="Microsoft Himalaya"/>
+        <a:font script="Thaa" typeface="MV Boli"/>
+        <a:font script="Deva" typeface="Mangal"/>
+        <a:font script="Telu" typeface="Gautami"/>
+        <a:font script="Taml" typeface="Latha"/>
+        <a:font script="Syrc" typeface="Estrangelo Edessa"/>
+        <a:font script="Orya" typeface="Kalinga"/>
+        <a:font script="Mlym" typeface="Kartika"/>
+        <a:font script="Laoo" typeface="DokChampa"/>
+        <a:font script="Sinh" typeface="Iskoola Pota"/>
+        <a:font script="Mong" typeface="Mongolian Baiti"/>
+        <a:font script="Viet" typeface="Times New Roman"/>
+        <a:font script="Uigh" typeface="Microsoft Uighur"/>
+        <a:font script="Geor" typeface="Sylfaen"/>
+        <a:font script="Armn" typeface="Arial"/>
+        <a:font script="Bugi" typeface="Leelawadee UI"/>
+        <a:font script="Bopo" typeface="Microsoft JhengHei"/>
+        <a:font script="Java" typeface="Javanese Text"/>
+        <a:font script="Lisu" typeface="Segoe UI"/>
+        <a:font script="Mymr" typeface="Myanmar Text"/>
+        <a:font script="Nkoo" typeface="Ebrima"/>
+        <a:font script="Olck" typeface="Nirmala UI"/>
+        <a:font script="Osma" typeface="Ebrima"/>
+        <a:font script="Phag" typeface="Phagspa"/>
+        <a:font script="Syrn" typeface="Estrangelo Edessa"/>
+        <a:font script="Syrj" typeface="Estrangelo Edessa"/>
+        <a:font script="Syre" typeface="Estrangelo Edessa"/>
+        <a:font script="Sora" typeface="Nirmala UI"/>
+        <a:font script="Tale" typeface="Microsoft Tai Le"/>
+        <a:font script="Talu" typeface="Microsoft New Tai Lue"/>
+        <a:font script="Tfng" typeface="Ebrima"/>
+      </a:majorFont>
+      <a:minorFont>
+        <a:latin typeface="Aptos" panose="02110004020202020204"/>
+        <a:ea typeface=""/>
+        <a:cs typeface=""/>
+        <a:font script="Jpan" typeface="游ゴシック"/>
+        <a:font script="Hang" typeface="맑은 고딕"/>
+        <a:font script="Hans" typeface="等线"/>
+        <a:font script="Hant" typeface="新細明體"/>
+        <a:font script="Arab" typeface="Arial"/>
+        <a:font script="Hebr" typeface="Arial"/>
+        <a:font script="Thai" typeface="Cordia New"/>
+        <a:font script="Ethi" typeface="Nyala"/>
+        <a:font script="Beng" typeface="Vrinda"/>
+        <a:font script="Gujr" typeface="Shruti"/>
+        <a:font script="Khmr" typeface="DaunPenh"/>
+        <a:font script="Knda" typeface="Tunga"/>
+        <a:font script="Guru" typeface="Raavi"/>
+        <a:font script="Cans" typeface="Euphemia"/>
+        <a:font script="Cher" typeface="Plantagenet Cherokee"/>
+        <a:font script="Yiii" typeface="Microsoft Yi Baiti"/>
+        <a:font script="Tibt" typeface="Microsoft Himalaya"/>
+        <a:font script="Thaa" typeface="MV Boli"/>
+        <a:font script="Deva" typeface="Mangal"/>
+        <a:font script="Telu" typeface="Gautami"/>
+        <a:font script="Taml" typeface="Latha"/>
+        <a:font script="Syrc" typeface="Estrangelo Edessa"/>
+        <a:font script="Orya" typeface="Kalinga"/>
+        <a:font script="Mlym" typeface="Kartika"/>
+        <a:font script="Laoo" typeface="DokChampa"/>
+        <a:font script="Sinh" typeface="Iskoola Pota"/>
+        <a:font script="Mong" typeface="Mongolian Baiti"/>
+        <a:font script="Viet" typeface="Arial"/>
+        <a:font script="Uigh" typeface="Microsoft Uighur"/>
+        <a:font script="Geor" typeface="Sylfaen"/>
+        <a:font script="Armn" typeface="Arial"/>
+        <a:font script="Bugi" typeface="Leelawadee UI"/>
+        <a:font script="Bopo" typeface="Microsoft JhengHei"/>
+        <a:font script="Java" typeface="Javanese Text"/>
+        <a:font script="Lisu" typeface="Segoe UI"/>
+        <a:font script="Mymr" typeface="Myanmar Text"/>
+        <a:font script="Nkoo" typeface="Ebrima"/>
+        <a:font script="Olck" typeface="Nirmala UI"/>
+        <a:font script="Osma" typeface="Ebrima"/>
+        <a:font script="Phag" typeface="Phagspa"/>
+        <a:font script="Syrn" typeface="Estrangelo Edessa"/>
+        <a:font script="Syrj" typeface="Estrangelo Edessa"/>
+        <a:font script="Syre" typeface="Estrangelo Edessa"/>
+        <a:font script="Sora" typeface="Nirmala UI"/>
+        <a:font script="Tale" typeface="Microsoft Tai Le"/>
+        <a:font script="Talu" typeface="Microsoft New Tai Lue"/>
+        <a:font script="Tfng" typeface="Ebrima"/>
+      </a:minorFont>
+    </a:fontScheme>
+    <a:fmtScheme name="Office">
+      <a:fillStyleLst>
+        <a:solidFill>
+          <a:schemeClr val="phClr"/>
+        </a:solidFill>
+        <a:gradFill rotWithShape="1">
+          <a:gsLst>
+            <a:gs pos="0">
+              <a:schemeClr val="phClr">
+                <a:lumMod val="110000"/>
+                <a:satMod val="105000"/>
+                <a:tint val="67000"/>
+              </a:schemeClr>
+            </a:gs>
+            <a:gs pos="50000">
+              <a:schemeClr val="phClr">
+                <a:lumMod val="105000"/>
+                <a:satMod val="103000"/>
+                <a:tint val="73000"/>
+              </a:schemeClr>
+            </a:gs>
+            <a:gs pos="100000">
+              <a:schemeClr val="phClr">
+                <a:lumMod val="105000"/>
+                <a:satMod val="109000"/>
+                <a:tint val="81000"/>
+              </a:schemeClr>
+            </a:gs>
+          </a:gsLst>
+          <a:lin ang="5400000" scaled="0"/>
+        </a:gradFill>
+        <a:gradFill rotWithShape="1">
+          <a:gsLst>
+            <a:gs pos="0">
+              <a:schemeClr val="phClr">
+                <a:satMod val="103000"/>
+                <a:lumMod val="102000"/>
+                <a:tint val="94000"/>
+              </a:schemeClr>
+            </a:gs>
+            <a:gs pos="50000">
+              <a:schemeClr val="phClr">
+                <a:satMod val="110000"/>
+                <a:lumMod val="100000"/>
+                <a:shade val="100000"/>
+              </a:schemeClr>
+            </a:gs>
+            <a:gs pos="100000">
+              <a:schemeClr val="phClr">
+                <a:lumMod val="99000"/>
+                <a:satMod val="120000"/>
+                <a:shade val="78000"/>
+              </a:schemeClr>
+            </a:gs>
+          </a:gsLst>
+          <a:lin ang="5400000" scaled="0"/>
+        </a:gradFill>
+      </a:fillStyleLst>
+      <a:lnStyleLst>
+        <a:ln w="12700" cap="flat" cmpd="sng" algn="ctr">
+          <a:solidFill>
+            <a:schemeClr val="phClr"/>
+          </a:solidFill>
+          <a:prstDash val="solid"/>
+          <a:miter lim="800000"/>
+        </a:ln>
+        <a:ln w="19050" cap="flat" cmpd="sng" algn="ctr">
+          <a:solidFill>
+            <a:schemeClr val="phClr"/>
+          </a:solidFill>
+          <a:prstDash val="solid"/>
+          <a:miter lim="800000"/>
+        </a:ln>
+        <a:ln w="25400" cap="flat" cmpd="sng" algn="ctr">
+          <a:solidFill>
+            <a:schemeClr val="phClr"/>
+          </a:solidFill>
+          <a:prstDash val="solid"/>
+          <a:miter lim="800000"/>
+        </a:ln>
+      </a:lnStyleLst>
+      <a:effectStyleLst>
+        <a:effectStyle>
+          <a:effectLst/>
+        </a:effectStyle>
+        <a:effectStyle>
+          <a:effectLst/>
+        </a:effectStyle>
+        <a:effectStyle>
+          <a:effectLst>
+            <a:outerShdw blurRad="57150" dist="19050" dir="5400000" algn="ctr" rotWithShape="0">
+              <a:srgbClr val="000000">
+                <a:alpha val="63000"/>
+              </a:srgbClr>
+            </a:outerShdw>
+          </a:effectLst>
+        </a:effectStyle>
+      </a:effectStyleLst>
+      <a:bgFillStyleLst>
+        <a:solidFill>
+          <a:schemeClr val="phClr"/>
+        </a:solidFill>
+        <a:solidFill>
+          <a:schemeClr val="phClr">
+            <a:tint val="95000"/>
+            <a:satMod val="170000"/>
+          </a:schemeClr>
+        </a:solidFill>
+        <a:gradFill rotWithShape="1">
+          <a:gsLst>
+            <a:gs pos="0">
+              <a:schemeClr val="phClr">
+                <a:tint val="93000"/>
+                <a:satMod val="150000"/>
+                <a:shade val="98000"/>
+                <a:lumMod val="102000"/>
+              </a:schemeClr>
+            </a:gs>
+            <a:gs pos="50000">
+              <a:schemeClr val="phClr">
+                <a:tint val="98000"/>
+                <a:satMod val="130000"/>
+                <a:shade val="90000"/>
+                <a:lumMod val="103000"/>
+              </a:schemeClr>
+            </a:gs>
+            <a:gs pos="100000">
+              <a:schemeClr val="phClr">
+                <a:shade val="63000"/>
+                <a:satMod val="120000"/>
+              </a:schemeClr>
+            </a:gs>
+          </a:gsLst>
+          <a:lin ang="5400000" scaled="0"/>
+        </a:gradFill>
+      </a:bgFillStyleLst>
+    </a:fmtScheme>
+  </a:themeElements>
+  <a:objectDefaults>
+    <a:lnDef>
+      <a:spPr/>
+      <a:bodyPr/>
+      <a:lstStyle/>
+      <a:style>
+        <a:lnRef idx="2">
+          <a:schemeClr val="accent1"/>
+        </a:lnRef>
+        <a:fillRef idx="0">
+          <a:schemeClr val="accent1"/>
+        </a:fillRef>
+        <a:effectRef idx="1">
+          <a:schemeClr val="accent1"/>
+        </a:effectRef>
+        <a:fontRef idx="minor">
+          <a:schemeClr val="tx1"/>
+        </a:fontRef>
+      </a:style>
+    </a:lnDef>
+  </a:objectDefaults>
+  <a:extraClrSchemeLst/>
+  <a:extLst>
+    <a:ext uri="{05A4C25C-085E-4340-85A3-A5531E510DB2}">
+      <thm15:themeFamily xmlns:thm15="http://schemas.microsoft.com/office/thememl/2012/main" name="Office Theme" id="{2E142A2C-CD16-42D6-873A-C26D2A0506FA}" vid="{1BDDFF52-6CD6-40A5-AB3C-68EB2F1E4D0A}"/>
+    </a:ext>
+  </a:extLst>
+</a:theme>
 </file>